--- a/3_With_Hyperparameter/Episode_Three_With_Hyperparameter.pptx
+++ b/3_With_Hyperparameter/Episode_Three_With_Hyperparameter.pptx
@@ -210,7 +210,7 @@
           <a:p>
             <a:fld id="{EE7149FC-A142-4E70-9A1B-7E28F3992C59}" type="datetimeFigureOut">
               <a:rPr lang="tr-TR" smtClean="0"/>
-              <a:t>22.9.2021</a:t>
+              <a:t>13.11.2021</a:t>
             </a:fld>
             <a:endParaRPr lang="tr-TR"/>
           </a:p>
@@ -375,7 +375,7 @@
           <a:p>
             <a:fld id="{22FAA79C-F01B-444B-8113-010905252F18}" type="datetimeFigureOut">
               <a:rPr lang="tr-TR" smtClean="0"/>
-              <a:t>22.9.2021</a:t>
+              <a:t>13.11.2021</a:t>
             </a:fld>
             <a:endParaRPr lang="tr-TR"/>
           </a:p>
@@ -439,35 +439,35 @@
           <a:p>
             <a:pPr lvl="0"/>
             <a:r>
-              <a:rPr lang="en-US" smtClean="0"/>
+              <a:rPr lang="en-US"/>
               <a:t>Edit Master text styles</a:t>
             </a:r>
           </a:p>
           <a:p>
             <a:pPr lvl="1"/>
             <a:r>
-              <a:rPr lang="en-US" smtClean="0"/>
+              <a:rPr lang="en-US"/>
               <a:t>Second level</a:t>
             </a:r>
           </a:p>
           <a:p>
             <a:pPr lvl="2"/>
             <a:r>
-              <a:rPr lang="en-US" smtClean="0"/>
+              <a:rPr lang="en-US"/>
               <a:t>Third level</a:t>
             </a:r>
           </a:p>
           <a:p>
             <a:pPr lvl="3"/>
             <a:r>
-              <a:rPr lang="en-US" smtClean="0"/>
+              <a:rPr lang="en-US"/>
               <a:t>Fourth level</a:t>
             </a:r>
           </a:p>
           <a:p>
             <a:pPr lvl="4"/>
             <a:r>
-              <a:rPr lang="en-US" smtClean="0"/>
+              <a:rPr lang="en-US"/>
               <a:t>Fifth level</a:t>
             </a:r>
             <a:endParaRPr lang="tr-TR"/>
@@ -1221,7 +1221,7 @@
           </a:lstStyle>
           <a:p>
             <a:r>
-              <a:rPr lang="tr-TR" smtClean="0"/>
+              <a:rPr lang="tr-TR"/>
               <a:t>Asıl başlık stili için tıklatın</a:t>
             </a:r>
             <a:endParaRPr lang="en-US" dirty="0"/>
@@ -1341,7 +1341,7 @@
           </a:lstStyle>
           <a:p>
             <a:r>
-              <a:rPr lang="tr-TR" smtClean="0"/>
+              <a:rPr lang="tr-TR"/>
               <a:t>Asıl alt başlık stilini düzenlemek için tıklayın</a:t>
             </a:r>
             <a:endParaRPr lang="en-US" dirty="0"/>
@@ -1365,7 +1365,7 @@
           <a:p>
             <a:fld id="{9DEC071A-6FD2-4151-A6FF-3C679D984CAB}" type="datetime1">
               <a:rPr lang="en-US" smtClean="0"/>
-              <a:t>9/22/2021</a:t>
+              <a:t>11/13/21</a:t>
             </a:fld>
             <a:endParaRPr lang="tr-TR"/>
           </a:p>
@@ -1387,10 +1387,9 @@
           <a:lstStyle/>
           <a:p>
             <a:r>
-              <a:rPr lang="tr-TR" smtClean="0"/>
+              <a:rPr lang="tr-TR"/>
               <a:t>EMREHAN</a:t>
             </a:r>
-            <a:endParaRPr lang="tr-TR"/>
           </a:p>
         </p:txBody>
       </p:sp>
@@ -1474,7 +1473,7 @@
           </a:lstStyle>
           <a:p>
             <a:r>
-              <a:rPr lang="tr-TR" smtClean="0"/>
+              <a:rPr lang="tr-TR"/>
               <a:t>Asıl başlık stili için tıklatın</a:t>
             </a:r>
             <a:endParaRPr lang="en-US" dirty="0"/>
@@ -1597,7 +1596,7 @@
           <a:p>
             <a:pPr lvl="0"/>
             <a:r>
-              <a:rPr lang="tr-TR" smtClean="0"/>
+              <a:rPr lang="tr-TR"/>
               <a:t>Asıl metin stillerini düzenle</a:t>
             </a:r>
           </a:p>
@@ -1620,7 +1619,7 @@
           <a:p>
             <a:fld id="{ECDF1C57-0D94-4EA0-A269-1F090E47F52B}" type="datetime1">
               <a:rPr lang="en-US" smtClean="0"/>
-              <a:t>9/22/2021</a:t>
+              <a:t>11/13/21</a:t>
             </a:fld>
             <a:endParaRPr lang="tr-TR"/>
           </a:p>
@@ -1642,10 +1641,9 @@
           <a:lstStyle/>
           <a:p>
             <a:r>
-              <a:rPr lang="tr-TR" smtClean="0"/>
+              <a:rPr lang="tr-TR"/>
               <a:t>EMREHAN</a:t>
             </a:r>
-            <a:endParaRPr lang="tr-TR"/>
           </a:p>
         </p:txBody>
       </p:sp>
@@ -1729,7 +1727,7 @@
           </a:lstStyle>
           <a:p>
             <a:r>
-              <a:rPr lang="tr-TR" smtClean="0"/>
+              <a:rPr lang="tr-TR"/>
               <a:t>Asıl başlık stili için tıklatın</a:t>
             </a:r>
             <a:endParaRPr lang="en-US" dirty="0"/>
@@ -1793,7 +1791,7 @@
           <a:p>
             <a:pPr lvl="0"/>
             <a:r>
-              <a:rPr lang="tr-TR" smtClean="0"/>
+              <a:rPr lang="tr-TR"/>
               <a:t>Asıl metin stillerini düzenle</a:t>
             </a:r>
           </a:p>
@@ -1915,7 +1913,7 @@
           <a:p>
             <a:pPr lvl="0"/>
             <a:r>
-              <a:rPr lang="tr-TR" smtClean="0"/>
+              <a:rPr lang="tr-TR"/>
               <a:t>Asıl metin stillerini düzenle</a:t>
             </a:r>
           </a:p>
@@ -1938,7 +1936,7 @@
           <a:p>
             <a:fld id="{8E33EA0B-6EAC-42B5-95AB-E9104F90FB2F}" type="datetime1">
               <a:rPr lang="en-US" smtClean="0"/>
-              <a:t>9/22/2021</a:t>
+              <a:t>11/13/21</a:t>
             </a:fld>
             <a:endParaRPr lang="tr-TR"/>
           </a:p>
@@ -1960,10 +1958,9 @@
           <a:lstStyle/>
           <a:p>
             <a:r>
-              <a:rPr lang="tr-TR" smtClean="0"/>
+              <a:rPr lang="tr-TR"/>
               <a:t>EMREHAN</a:t>
             </a:r>
-            <a:endParaRPr lang="tr-TR"/>
           </a:p>
         </p:txBody>
       </p:sp>
@@ -2137,7 +2134,7 @@
           </a:lstStyle>
           <a:p>
             <a:r>
-              <a:rPr lang="tr-TR" smtClean="0"/>
+              <a:rPr lang="tr-TR"/>
               <a:t>Asıl başlık stili için tıklatın</a:t>
             </a:r>
             <a:endParaRPr lang="en-US" dirty="0"/>
@@ -2260,7 +2257,7 @@
           <a:p>
             <a:pPr lvl="0"/>
             <a:r>
-              <a:rPr lang="tr-TR" smtClean="0"/>
+              <a:rPr lang="tr-TR"/>
               <a:t>Asıl metin stillerini düzenle</a:t>
             </a:r>
           </a:p>
@@ -2283,7 +2280,7 @@
           <a:p>
             <a:fld id="{F37AAF9F-F73A-42A1-AD9A-A6B845DD2F8D}" type="datetime1">
               <a:rPr lang="en-US" smtClean="0"/>
-              <a:t>9/22/2021</a:t>
+              <a:t>11/13/21</a:t>
             </a:fld>
             <a:endParaRPr lang="tr-TR"/>
           </a:p>
@@ -2305,10 +2302,9 @@
           <a:lstStyle/>
           <a:p>
             <a:r>
-              <a:rPr lang="tr-TR" smtClean="0"/>
+              <a:rPr lang="tr-TR"/>
               <a:t>EMREHAN</a:t>
             </a:r>
-            <a:endParaRPr lang="tr-TR"/>
           </a:p>
         </p:txBody>
       </p:sp>
@@ -2392,7 +2388,7 @@
           </a:lstStyle>
           <a:p>
             <a:r>
-              <a:rPr lang="tr-TR" smtClean="0"/>
+              <a:rPr lang="tr-TR"/>
               <a:t>Asıl başlık stili için tıklatın</a:t>
             </a:r>
             <a:endParaRPr lang="en-US" dirty="0"/>
@@ -2456,7 +2452,7 @@
           <a:p>
             <a:pPr lvl="0"/>
             <a:r>
-              <a:rPr lang="tr-TR" smtClean="0"/>
+              <a:rPr lang="tr-TR"/>
               <a:t>Asıl metin stillerini düzenle</a:t>
             </a:r>
           </a:p>
@@ -2578,7 +2574,7 @@
           <a:p>
             <a:pPr lvl="0"/>
             <a:r>
-              <a:rPr lang="tr-TR" smtClean="0"/>
+              <a:rPr lang="tr-TR"/>
               <a:t>Asıl metin stillerini düzenle</a:t>
             </a:r>
           </a:p>
@@ -2601,7 +2597,7 @@
           <a:p>
             <a:fld id="{251CABA6-75C0-447F-981F-C491A6AFAB59}" type="datetime1">
               <a:rPr lang="en-US" smtClean="0"/>
-              <a:t>9/22/2021</a:t>
+              <a:t>11/13/21</a:t>
             </a:fld>
             <a:endParaRPr lang="tr-TR"/>
           </a:p>
@@ -2623,10 +2619,9 @@
           <a:lstStyle/>
           <a:p>
             <a:r>
-              <a:rPr lang="tr-TR" smtClean="0"/>
+              <a:rPr lang="tr-TR"/>
               <a:t>EMREHAN</a:t>
             </a:r>
-            <a:endParaRPr lang="tr-TR"/>
           </a:p>
         </p:txBody>
       </p:sp>
@@ -2792,7 +2787,7 @@
           </a:lstStyle>
           <a:p>
             <a:r>
-              <a:rPr lang="tr-TR" smtClean="0"/>
+              <a:rPr lang="tr-TR"/>
               <a:t>Asıl başlık stili için tıklatın</a:t>
             </a:r>
             <a:endParaRPr lang="en-US" dirty="0"/>
@@ -2853,7 +2848,7 @@
           <a:p>
             <a:pPr lvl="0"/>
             <a:r>
-              <a:rPr lang="tr-TR" smtClean="0"/>
+              <a:rPr lang="tr-TR"/>
               <a:t>Asıl metin stillerini düzenle</a:t>
             </a:r>
           </a:p>
@@ -2975,7 +2970,7 @@
           <a:p>
             <a:pPr lvl="0"/>
             <a:r>
-              <a:rPr lang="tr-TR" smtClean="0"/>
+              <a:rPr lang="tr-TR"/>
               <a:t>Asıl metin stillerini düzenle</a:t>
             </a:r>
           </a:p>
@@ -2998,7 +2993,7 @@
           <a:p>
             <a:fld id="{8ECC6EAF-0004-4B66-917D-2E2A5557DD18}" type="datetime1">
               <a:rPr lang="en-US" smtClean="0"/>
-              <a:t>9/22/2021</a:t>
+              <a:t>11/13/21</a:t>
             </a:fld>
             <a:endParaRPr lang="tr-TR"/>
           </a:p>
@@ -3020,10 +3015,9 @@
           <a:lstStyle/>
           <a:p>
             <a:r>
-              <a:rPr lang="tr-TR" smtClean="0"/>
+              <a:rPr lang="tr-TR"/>
               <a:t>EMREHAN</a:t>
             </a:r>
-            <a:endParaRPr lang="tr-TR"/>
           </a:p>
         </p:txBody>
       </p:sp>
@@ -3096,7 +3090,7 @@
           <a:lstStyle/>
           <a:p>
             <a:r>
-              <a:rPr lang="tr-TR" smtClean="0"/>
+              <a:rPr lang="tr-TR"/>
               <a:t>Asıl başlık stili için tıklatın</a:t>
             </a:r>
             <a:endParaRPr lang="en-US" dirty="0"/>
@@ -3120,35 +3114,35 @@
           <a:p>
             <a:pPr lvl="0"/>
             <a:r>
-              <a:rPr lang="tr-TR" smtClean="0"/>
+              <a:rPr lang="tr-TR"/>
               <a:t>Asıl metin stillerini düzenle</a:t>
             </a:r>
           </a:p>
           <a:p>
             <a:pPr lvl="1"/>
             <a:r>
-              <a:rPr lang="tr-TR" smtClean="0"/>
+              <a:rPr lang="tr-TR"/>
               <a:t>İkinci düzey</a:t>
             </a:r>
           </a:p>
           <a:p>
             <a:pPr lvl="2"/>
             <a:r>
-              <a:rPr lang="tr-TR" smtClean="0"/>
+              <a:rPr lang="tr-TR"/>
               <a:t>Üçüncü düzey</a:t>
             </a:r>
           </a:p>
           <a:p>
             <a:pPr lvl="3"/>
             <a:r>
-              <a:rPr lang="tr-TR" smtClean="0"/>
+              <a:rPr lang="tr-TR"/>
               <a:t>Dördüncü düzey</a:t>
             </a:r>
           </a:p>
           <a:p>
             <a:pPr lvl="4"/>
             <a:r>
-              <a:rPr lang="tr-TR" smtClean="0"/>
+              <a:rPr lang="tr-TR"/>
               <a:t>Beşinci düzey</a:t>
             </a:r>
             <a:endParaRPr lang="en-US" dirty="0"/>
@@ -3172,7 +3166,7 @@
           <a:p>
             <a:fld id="{A5AAE2C4-6A61-4540-918A-81022E77C775}" type="datetime1">
               <a:rPr lang="en-US" smtClean="0"/>
-              <a:t>9/22/2021</a:t>
+              <a:t>11/13/21</a:t>
             </a:fld>
             <a:endParaRPr lang="tr-TR"/>
           </a:p>
@@ -3194,10 +3188,9 @@
           <a:lstStyle/>
           <a:p>
             <a:r>
-              <a:rPr lang="tr-TR" smtClean="0"/>
+              <a:rPr lang="tr-TR"/>
               <a:t>EMREHAN</a:t>
             </a:r>
-            <a:endParaRPr lang="tr-TR"/>
           </a:p>
         </p:txBody>
       </p:sp>
@@ -3275,7 +3268,7 @@
           <a:lstStyle/>
           <a:p>
             <a:r>
-              <a:rPr lang="tr-TR" smtClean="0"/>
+              <a:rPr lang="tr-TR"/>
               <a:t>Asıl başlık stili için tıklatın</a:t>
             </a:r>
             <a:endParaRPr lang="en-US" dirty="0"/>
@@ -3304,35 +3297,35 @@
           <a:p>
             <a:pPr lvl="0"/>
             <a:r>
-              <a:rPr lang="tr-TR" smtClean="0"/>
+              <a:rPr lang="tr-TR"/>
               <a:t>Asıl metin stillerini düzenle</a:t>
             </a:r>
           </a:p>
           <a:p>
             <a:pPr lvl="1"/>
             <a:r>
-              <a:rPr lang="tr-TR" smtClean="0"/>
+              <a:rPr lang="tr-TR"/>
               <a:t>İkinci düzey</a:t>
             </a:r>
           </a:p>
           <a:p>
             <a:pPr lvl="2"/>
             <a:r>
-              <a:rPr lang="tr-TR" smtClean="0"/>
+              <a:rPr lang="tr-TR"/>
               <a:t>Üçüncü düzey</a:t>
             </a:r>
           </a:p>
           <a:p>
             <a:pPr lvl="3"/>
             <a:r>
-              <a:rPr lang="tr-TR" smtClean="0"/>
+              <a:rPr lang="tr-TR"/>
               <a:t>Dördüncü düzey</a:t>
             </a:r>
           </a:p>
           <a:p>
             <a:pPr lvl="4"/>
             <a:r>
-              <a:rPr lang="tr-TR" smtClean="0"/>
+              <a:rPr lang="tr-TR"/>
               <a:t>Beşinci düzey</a:t>
             </a:r>
             <a:endParaRPr lang="en-US" dirty="0"/>
@@ -3356,7 +3349,7 @@
           <a:p>
             <a:fld id="{E24064EA-1B05-4D3C-BAF9-4305FC5F9979}" type="datetime1">
               <a:rPr lang="en-US" smtClean="0"/>
-              <a:t>9/22/2021</a:t>
+              <a:t>11/13/21</a:t>
             </a:fld>
             <a:endParaRPr lang="tr-TR"/>
           </a:p>
@@ -3378,10 +3371,9 @@
           <a:lstStyle/>
           <a:p>
             <a:r>
-              <a:rPr lang="tr-TR" smtClean="0"/>
+              <a:rPr lang="tr-TR"/>
               <a:t>EMREHAN</a:t>
             </a:r>
-            <a:endParaRPr lang="tr-TR"/>
           </a:p>
         </p:txBody>
       </p:sp>
@@ -3460,7 +3452,7 @@
           </a:lstStyle>
           <a:p>
             <a:r>
-              <a:rPr lang="tr-TR" smtClean="0"/>
+              <a:rPr lang="tr-TR"/>
               <a:t>Asıl başlık stili için tıklatın</a:t>
             </a:r>
             <a:endParaRPr lang="en-US" dirty="0"/>
@@ -3484,35 +3476,35 @@
           <a:p>
             <a:pPr lvl="0"/>
             <a:r>
-              <a:rPr lang="tr-TR" smtClean="0"/>
+              <a:rPr lang="tr-TR"/>
               <a:t>Asıl metin stillerini düzenle</a:t>
             </a:r>
           </a:p>
           <a:p>
             <a:pPr lvl="1"/>
             <a:r>
-              <a:rPr lang="tr-TR" smtClean="0"/>
+              <a:rPr lang="tr-TR"/>
               <a:t>İkinci düzey</a:t>
             </a:r>
           </a:p>
           <a:p>
             <a:pPr lvl="2"/>
             <a:r>
-              <a:rPr lang="tr-TR" smtClean="0"/>
+              <a:rPr lang="tr-TR"/>
               <a:t>Üçüncü düzey</a:t>
             </a:r>
           </a:p>
           <a:p>
             <a:pPr lvl="3"/>
             <a:r>
-              <a:rPr lang="tr-TR" smtClean="0"/>
+              <a:rPr lang="tr-TR"/>
               <a:t>Dördüncü düzey</a:t>
             </a:r>
           </a:p>
           <a:p>
             <a:pPr lvl="4"/>
             <a:r>
-              <a:rPr lang="tr-TR" smtClean="0"/>
+              <a:rPr lang="tr-TR"/>
               <a:t>Beşinci düzey</a:t>
             </a:r>
             <a:endParaRPr lang="en-US" dirty="0"/>
@@ -3536,7 +3528,7 @@
           <a:p>
             <a:fld id="{B42B4FB0-0621-45E6-B97F-F77D45599D8C}" type="datetime1">
               <a:rPr lang="en-US" smtClean="0"/>
-              <a:t>9/22/2021</a:t>
+              <a:t>11/13/21</a:t>
             </a:fld>
             <a:endParaRPr lang="tr-TR"/>
           </a:p>
@@ -3558,10 +3550,9 @@
           <a:lstStyle/>
           <a:p>
             <a:r>
-              <a:rPr lang="tr-TR" smtClean="0"/>
+              <a:rPr lang="tr-TR"/>
               <a:t>EMREHAN</a:t>
             </a:r>
-            <a:endParaRPr lang="tr-TR"/>
           </a:p>
         </p:txBody>
       </p:sp>
@@ -3643,7 +3634,7 @@
           </a:lstStyle>
           <a:p>
             <a:r>
-              <a:rPr lang="tr-TR" smtClean="0"/>
+              <a:rPr lang="tr-TR"/>
               <a:t>Asıl başlık stili için tıklatın</a:t>
             </a:r>
             <a:endParaRPr lang="en-US" dirty="0"/>
@@ -3764,7 +3755,7 @@
           <a:p>
             <a:pPr lvl="0"/>
             <a:r>
-              <a:rPr lang="tr-TR" smtClean="0"/>
+              <a:rPr lang="tr-TR"/>
               <a:t>Asıl metin stillerini düzenle</a:t>
             </a:r>
           </a:p>
@@ -3787,7 +3778,7 @@
           <a:p>
             <a:fld id="{CBDF643A-C1B6-48DF-94B5-4E0D8A24B855}" type="datetime1">
               <a:rPr lang="en-US" smtClean="0"/>
-              <a:t>9/22/2021</a:t>
+              <a:t>11/13/21</a:t>
             </a:fld>
             <a:endParaRPr lang="tr-TR"/>
           </a:p>
@@ -3809,10 +3800,9 @@
           <a:lstStyle/>
           <a:p>
             <a:r>
-              <a:rPr lang="tr-TR" smtClean="0"/>
+              <a:rPr lang="tr-TR"/>
               <a:t>EMREHAN</a:t>
             </a:r>
-            <a:endParaRPr lang="tr-TR"/>
           </a:p>
         </p:txBody>
       </p:sp>
@@ -3885,7 +3875,7 @@
           <a:lstStyle/>
           <a:p>
             <a:r>
-              <a:rPr lang="tr-TR" smtClean="0"/>
+              <a:rPr lang="tr-TR"/>
               <a:t>Asıl başlık stili için tıklatın</a:t>
             </a:r>
             <a:endParaRPr lang="en-US" dirty="0"/>
@@ -3914,35 +3904,35 @@
           <a:p>
             <a:pPr lvl="0"/>
             <a:r>
-              <a:rPr lang="tr-TR" smtClean="0"/>
+              <a:rPr lang="tr-TR"/>
               <a:t>Asıl metin stillerini düzenle</a:t>
             </a:r>
           </a:p>
           <a:p>
             <a:pPr lvl="1"/>
             <a:r>
-              <a:rPr lang="tr-TR" smtClean="0"/>
+              <a:rPr lang="tr-TR"/>
               <a:t>İkinci düzey</a:t>
             </a:r>
           </a:p>
           <a:p>
             <a:pPr lvl="2"/>
             <a:r>
-              <a:rPr lang="tr-TR" smtClean="0"/>
+              <a:rPr lang="tr-TR"/>
               <a:t>Üçüncü düzey</a:t>
             </a:r>
           </a:p>
           <a:p>
             <a:pPr lvl="3"/>
             <a:r>
-              <a:rPr lang="tr-TR" smtClean="0"/>
+              <a:rPr lang="tr-TR"/>
               <a:t>Dördüncü düzey</a:t>
             </a:r>
           </a:p>
           <a:p>
             <a:pPr lvl="4"/>
             <a:r>
-              <a:rPr lang="tr-TR" smtClean="0"/>
+              <a:rPr lang="tr-TR"/>
               <a:t>Beşinci düzey</a:t>
             </a:r>
             <a:endParaRPr lang="en-US" dirty="0"/>
@@ -3971,35 +3961,35 @@
           <a:p>
             <a:pPr lvl="0"/>
             <a:r>
-              <a:rPr lang="tr-TR" smtClean="0"/>
+              <a:rPr lang="tr-TR"/>
               <a:t>Asıl metin stillerini düzenle</a:t>
             </a:r>
           </a:p>
           <a:p>
             <a:pPr lvl="1"/>
             <a:r>
-              <a:rPr lang="tr-TR" smtClean="0"/>
+              <a:rPr lang="tr-TR"/>
               <a:t>İkinci düzey</a:t>
             </a:r>
           </a:p>
           <a:p>
             <a:pPr lvl="2"/>
             <a:r>
-              <a:rPr lang="tr-TR" smtClean="0"/>
+              <a:rPr lang="tr-TR"/>
               <a:t>Üçüncü düzey</a:t>
             </a:r>
           </a:p>
           <a:p>
             <a:pPr lvl="3"/>
             <a:r>
-              <a:rPr lang="tr-TR" smtClean="0"/>
+              <a:rPr lang="tr-TR"/>
               <a:t>Dördüncü düzey</a:t>
             </a:r>
           </a:p>
           <a:p>
             <a:pPr lvl="4"/>
             <a:r>
-              <a:rPr lang="tr-TR" smtClean="0"/>
+              <a:rPr lang="tr-TR"/>
               <a:t>Beşinci düzey</a:t>
             </a:r>
             <a:endParaRPr lang="en-US" dirty="0"/>
@@ -4023,7 +4013,7 @@
           <a:p>
             <a:fld id="{D7A14827-174D-4DB9-A803-417B03C83866}" type="datetime1">
               <a:rPr lang="en-US" smtClean="0"/>
-              <a:t>9/22/2021</a:t>
+              <a:t>11/13/21</a:t>
             </a:fld>
             <a:endParaRPr lang="tr-TR"/>
           </a:p>
@@ -4045,10 +4035,9 @@
           <a:lstStyle/>
           <a:p>
             <a:r>
-              <a:rPr lang="tr-TR" smtClean="0"/>
+              <a:rPr lang="tr-TR"/>
               <a:t>EMREHAN</a:t>
             </a:r>
-            <a:endParaRPr lang="tr-TR"/>
           </a:p>
         </p:txBody>
       </p:sp>
@@ -4125,7 +4114,7 @@
           </a:lstStyle>
           <a:p>
             <a:r>
-              <a:rPr lang="tr-TR" smtClean="0"/>
+              <a:rPr lang="tr-TR"/>
               <a:t>Asıl başlık stili için tıklatın</a:t>
             </a:r>
             <a:endParaRPr lang="en-US" dirty="0"/>
@@ -4193,7 +4182,7 @@
           <a:p>
             <a:pPr lvl="0"/>
             <a:r>
-              <a:rPr lang="tr-TR" smtClean="0"/>
+              <a:rPr lang="tr-TR"/>
               <a:t>Asıl metin stillerini düzenle</a:t>
             </a:r>
           </a:p>
@@ -4223,35 +4212,35 @@
           <a:p>
             <a:pPr lvl="0"/>
             <a:r>
-              <a:rPr lang="tr-TR" smtClean="0"/>
+              <a:rPr lang="tr-TR"/>
               <a:t>Asıl metin stillerini düzenle</a:t>
             </a:r>
           </a:p>
           <a:p>
             <a:pPr lvl="1"/>
             <a:r>
-              <a:rPr lang="tr-TR" smtClean="0"/>
+              <a:rPr lang="tr-TR"/>
               <a:t>İkinci düzey</a:t>
             </a:r>
           </a:p>
           <a:p>
             <a:pPr lvl="2"/>
             <a:r>
-              <a:rPr lang="tr-TR" smtClean="0"/>
+              <a:rPr lang="tr-TR"/>
               <a:t>Üçüncü düzey</a:t>
             </a:r>
           </a:p>
           <a:p>
             <a:pPr lvl="3"/>
             <a:r>
-              <a:rPr lang="tr-TR" smtClean="0"/>
+              <a:rPr lang="tr-TR"/>
               <a:t>Dördüncü düzey</a:t>
             </a:r>
           </a:p>
           <a:p>
             <a:pPr lvl="4"/>
             <a:r>
-              <a:rPr lang="tr-TR" smtClean="0"/>
+              <a:rPr lang="tr-TR"/>
               <a:t>Beşinci düzey</a:t>
             </a:r>
             <a:endParaRPr lang="en-US" dirty="0"/>
@@ -4319,7 +4308,7 @@
           <a:p>
             <a:pPr lvl="0"/>
             <a:r>
-              <a:rPr lang="tr-TR" smtClean="0"/>
+              <a:rPr lang="tr-TR"/>
               <a:t>Asıl metin stillerini düzenle</a:t>
             </a:r>
           </a:p>
@@ -4349,35 +4338,35 @@
           <a:p>
             <a:pPr lvl="0"/>
             <a:r>
-              <a:rPr lang="tr-TR" smtClean="0"/>
+              <a:rPr lang="tr-TR"/>
               <a:t>Asıl metin stillerini düzenle</a:t>
             </a:r>
           </a:p>
           <a:p>
             <a:pPr lvl="1"/>
             <a:r>
-              <a:rPr lang="tr-TR" smtClean="0"/>
+              <a:rPr lang="tr-TR"/>
               <a:t>İkinci düzey</a:t>
             </a:r>
           </a:p>
           <a:p>
             <a:pPr lvl="2"/>
             <a:r>
-              <a:rPr lang="tr-TR" smtClean="0"/>
+              <a:rPr lang="tr-TR"/>
               <a:t>Üçüncü düzey</a:t>
             </a:r>
           </a:p>
           <a:p>
             <a:pPr lvl="3"/>
             <a:r>
-              <a:rPr lang="tr-TR" smtClean="0"/>
+              <a:rPr lang="tr-TR"/>
               <a:t>Dördüncü düzey</a:t>
             </a:r>
           </a:p>
           <a:p>
             <a:pPr lvl="4"/>
             <a:r>
-              <a:rPr lang="tr-TR" smtClean="0"/>
+              <a:rPr lang="tr-TR"/>
               <a:t>Beşinci düzey</a:t>
             </a:r>
             <a:endParaRPr lang="en-US" dirty="0"/>
@@ -4401,7 +4390,7 @@
           <a:p>
             <a:fld id="{4F51A246-7487-4D5D-8336-8AA8EF1B3038}" type="datetime1">
               <a:rPr lang="en-US" smtClean="0"/>
-              <a:t>9/22/2021</a:t>
+              <a:t>11/13/21</a:t>
             </a:fld>
             <a:endParaRPr lang="tr-TR"/>
           </a:p>
@@ -4423,10 +4412,9 @@
           <a:lstStyle/>
           <a:p>
             <a:r>
-              <a:rPr lang="tr-TR" smtClean="0"/>
+              <a:rPr lang="tr-TR"/>
               <a:t>EMREHAN</a:t>
             </a:r>
-            <a:endParaRPr lang="tr-TR"/>
           </a:p>
         </p:txBody>
       </p:sp>
@@ -4504,7 +4492,7 @@
           <a:lstStyle/>
           <a:p>
             <a:r>
-              <a:rPr lang="tr-TR" smtClean="0"/>
+              <a:rPr lang="tr-TR"/>
               <a:t>Asıl başlık stili için tıklatın</a:t>
             </a:r>
             <a:endParaRPr lang="en-US" dirty="0"/>
@@ -4528,7 +4516,7 @@
           <a:p>
             <a:fld id="{77E88224-290D-41FE-830C-398CE41FC738}" type="datetime1">
               <a:rPr lang="en-US" smtClean="0"/>
-              <a:t>9/22/2021</a:t>
+              <a:t>11/13/21</a:t>
             </a:fld>
             <a:endParaRPr lang="tr-TR"/>
           </a:p>
@@ -4550,10 +4538,9 @@
           <a:lstStyle/>
           <a:p>
             <a:r>
-              <a:rPr lang="tr-TR" smtClean="0"/>
+              <a:rPr lang="tr-TR"/>
               <a:t>EMREHAN</a:t>
             </a:r>
-            <a:endParaRPr lang="tr-TR"/>
           </a:p>
         </p:txBody>
       </p:sp>
@@ -4627,7 +4614,7 @@
           <a:p>
             <a:fld id="{A439C65F-4EA6-4EDF-9510-59D269AB63DE}" type="datetime1">
               <a:rPr lang="en-US" smtClean="0"/>
-              <a:t>9/22/2021</a:t>
+              <a:t>11/13/21</a:t>
             </a:fld>
             <a:endParaRPr lang="tr-TR"/>
           </a:p>
@@ -4649,10 +4636,9 @@
           <a:lstStyle/>
           <a:p>
             <a:r>
-              <a:rPr lang="tr-TR" smtClean="0"/>
+              <a:rPr lang="tr-TR"/>
               <a:t>EMREHAN</a:t>
             </a:r>
-            <a:endParaRPr lang="tr-TR"/>
           </a:p>
         </p:txBody>
       </p:sp>
@@ -4736,7 +4722,7 @@
           </a:lstStyle>
           <a:p>
             <a:r>
-              <a:rPr lang="tr-TR" smtClean="0"/>
+              <a:rPr lang="tr-TR"/>
               <a:t>Asıl başlık stili için tıklatın</a:t>
             </a:r>
             <a:endParaRPr lang="en-US" dirty="0"/>
@@ -4767,35 +4753,35 @@
           <a:p>
             <a:pPr lvl="0"/>
             <a:r>
-              <a:rPr lang="tr-TR" smtClean="0"/>
+              <a:rPr lang="tr-TR"/>
               <a:t>Asıl metin stillerini düzenle</a:t>
             </a:r>
           </a:p>
           <a:p>
             <a:pPr lvl="1"/>
             <a:r>
-              <a:rPr lang="tr-TR" smtClean="0"/>
+              <a:rPr lang="tr-TR"/>
               <a:t>İkinci düzey</a:t>
             </a:r>
           </a:p>
           <a:p>
             <a:pPr lvl="2"/>
             <a:r>
-              <a:rPr lang="tr-TR" smtClean="0"/>
+              <a:rPr lang="tr-TR"/>
               <a:t>Üçüncü düzey</a:t>
             </a:r>
           </a:p>
           <a:p>
             <a:pPr lvl="3"/>
             <a:r>
-              <a:rPr lang="tr-TR" smtClean="0"/>
+              <a:rPr lang="tr-TR"/>
               <a:t>Dördüncü düzey</a:t>
             </a:r>
           </a:p>
           <a:p>
             <a:pPr lvl="4"/>
             <a:r>
-              <a:rPr lang="tr-TR" smtClean="0"/>
+              <a:rPr lang="tr-TR"/>
               <a:t>Beşinci düzey</a:t>
             </a:r>
             <a:endParaRPr lang="en-US" dirty="0"/>
@@ -4863,7 +4849,7 @@
           <a:p>
             <a:pPr lvl="0"/>
             <a:r>
-              <a:rPr lang="tr-TR" smtClean="0"/>
+              <a:rPr lang="tr-TR"/>
               <a:t>Asıl metin stillerini düzenle</a:t>
             </a:r>
           </a:p>
@@ -4886,7 +4872,7 @@
           <a:p>
             <a:fld id="{243D84D4-1121-4F8F-8325-F7EEC9A711F9}" type="datetime1">
               <a:rPr lang="en-US" smtClean="0"/>
-              <a:t>9/22/2021</a:t>
+              <a:t>11/13/21</a:t>
             </a:fld>
             <a:endParaRPr lang="tr-TR"/>
           </a:p>
@@ -4908,10 +4894,9 @@
           <a:lstStyle/>
           <a:p>
             <a:r>
-              <a:rPr lang="tr-TR" smtClean="0"/>
+              <a:rPr lang="tr-TR"/>
               <a:t>EMREHAN</a:t>
             </a:r>
-            <a:endParaRPr lang="tr-TR"/>
           </a:p>
         </p:txBody>
       </p:sp>
@@ -4995,7 +4980,7 @@
           </a:lstStyle>
           <a:p>
             <a:r>
-              <a:rPr lang="tr-TR" smtClean="0"/>
+              <a:rPr lang="tr-TR"/>
               <a:t>Asıl başlık stili için tıklatın</a:t>
             </a:r>
             <a:endParaRPr lang="en-US" dirty="0"/>
@@ -5062,7 +5047,7 @@
           </a:lstStyle>
           <a:p>
             <a:r>
-              <a:rPr lang="tr-TR" smtClean="0"/>
+              <a:rPr lang="tr-TR"/>
               <a:t>Resim eklemek için simgeyi tıklatın</a:t>
             </a:r>
             <a:endParaRPr lang="en-US" dirty="0"/>
@@ -5130,7 +5115,7 @@
           <a:p>
             <a:pPr lvl="0"/>
             <a:r>
-              <a:rPr lang="tr-TR" smtClean="0"/>
+              <a:rPr lang="tr-TR"/>
               <a:t>Asıl metin stillerini düzenle</a:t>
             </a:r>
           </a:p>
@@ -5153,7 +5138,7 @@
           <a:p>
             <a:fld id="{C0F8983E-0268-4BC9-BF40-F0F2EF664DA5}" type="datetime1">
               <a:rPr lang="en-US" smtClean="0"/>
-              <a:t>9/22/2021</a:t>
+              <a:t>11/13/21</a:t>
             </a:fld>
             <a:endParaRPr lang="tr-TR"/>
           </a:p>
@@ -5175,10 +5160,9 @@
           <a:lstStyle/>
           <a:p>
             <a:r>
-              <a:rPr lang="tr-TR" smtClean="0"/>
+              <a:rPr lang="tr-TR"/>
               <a:t>EMREHAN</a:t>
             </a:r>
-            <a:endParaRPr lang="tr-TR"/>
           </a:p>
         </p:txBody>
       </p:sp>
@@ -5796,7 +5780,7 @@
           <a:lstStyle/>
           <a:p>
             <a:r>
-              <a:rPr lang="tr-TR" smtClean="0"/>
+              <a:rPr lang="tr-TR"/>
               <a:t>Asıl başlık stili için tıklatın</a:t>
             </a:r>
             <a:endParaRPr lang="en-US" dirty="0"/>
@@ -5830,35 +5814,35 @@
           <a:p>
             <a:pPr lvl="0"/>
             <a:r>
-              <a:rPr lang="tr-TR" smtClean="0"/>
+              <a:rPr lang="tr-TR"/>
               <a:t>Asıl metin stillerini düzenle</a:t>
             </a:r>
           </a:p>
           <a:p>
             <a:pPr lvl="1"/>
             <a:r>
-              <a:rPr lang="tr-TR" smtClean="0"/>
+              <a:rPr lang="tr-TR"/>
               <a:t>İkinci düzey</a:t>
             </a:r>
           </a:p>
           <a:p>
             <a:pPr lvl="2"/>
             <a:r>
-              <a:rPr lang="tr-TR" smtClean="0"/>
+              <a:rPr lang="tr-TR"/>
               <a:t>Üçüncü düzey</a:t>
             </a:r>
           </a:p>
           <a:p>
             <a:pPr lvl="3"/>
             <a:r>
-              <a:rPr lang="tr-TR" smtClean="0"/>
+              <a:rPr lang="tr-TR"/>
               <a:t>Dördüncü düzey</a:t>
             </a:r>
           </a:p>
           <a:p>
             <a:pPr lvl="4"/>
             <a:r>
-              <a:rPr lang="tr-TR" smtClean="0"/>
+              <a:rPr lang="tr-TR"/>
               <a:t>Beşinci düzey</a:t>
             </a:r>
             <a:endParaRPr lang="en-US" dirty="0"/>
@@ -5900,7 +5884,7 @@
           <a:p>
             <a:fld id="{AECE2381-2D3D-4666-A1D5-D32CA623C61A}" type="datetime1">
               <a:rPr lang="en-US" smtClean="0"/>
-              <a:t>9/22/2021</a:t>
+              <a:t>11/13/21</a:t>
             </a:fld>
             <a:endParaRPr lang="tr-TR"/>
           </a:p>
@@ -5940,10 +5924,9 @@
           </a:lstStyle>
           <a:p>
             <a:r>
-              <a:rPr lang="tr-TR" smtClean="0"/>
+              <a:rPr lang="tr-TR"/>
               <a:t>EMREHAN</a:t>
             </a:r>
-            <a:endParaRPr lang="tr-TR"/>
           </a:p>
         </p:txBody>
       </p:sp>
@@ -6449,34 +6432,26 @@
           <a:lstStyle/>
           <a:p>
             <a:r>
-              <a:rPr lang="tr-TR" dirty="0" smtClean="0"/>
+              <a:rPr lang="tr-TR" dirty="0"/>
               <a:t>PREDICTION MODELS BASED ON MAX-STEMS</a:t>
             </a:r>
             <a:br>
-              <a:rPr lang="tr-TR" dirty="0" smtClean="0"/>
+              <a:rPr lang="tr-TR" dirty="0"/>
             </a:br>
             <a:r>
-              <a:rPr lang="tr-TR" sz="4000" dirty="0" smtClean="0"/>
+              <a:rPr lang="tr-TR" sz="4000" dirty="0"/>
               <a:t>(or harnessing imbalanced data)</a:t>
             </a:r>
             <a:br>
-              <a:rPr lang="tr-TR" sz="4000" dirty="0" smtClean="0"/>
+              <a:rPr lang="tr-TR" sz="4000" dirty="0"/>
             </a:br>
-            <a:r>
-              <a:rPr lang="tr-TR" sz="2000" dirty="0" smtClean="0">
-                <a:solidFill>
-                  <a:schemeClr val="tx1"/>
-                </a:solidFill>
-              </a:rPr>
-              <a:t>Episode Three: </a:t>
-            </a:r>
             <a:r>
               <a:rPr lang="tr-TR" sz="2000" dirty="0">
                 <a:solidFill>
                   <a:schemeClr val="tx1"/>
                 </a:solidFill>
               </a:rPr>
-              <a:t>Effect of Hyperparameters  </a:t>
+              <a:t>Episode Three: Effect of Hyperparameters  </a:t>
             </a:r>
           </a:p>
         </p:txBody>
@@ -6497,13 +6472,13 @@
           <a:lstStyle/>
           <a:p>
             <a:r>
-              <a:rPr lang="tr-TR" dirty="0" smtClean="0"/>
+              <a:rPr lang="tr-TR" dirty="0"/>
               <a:t>Ahmet Furkan EMREHAN</a:t>
             </a:r>
           </a:p>
           <a:p>
             <a:r>
-              <a:rPr lang="tr-TR" dirty="0" smtClean="0"/>
+              <a:rPr lang="tr-TR" dirty="0"/>
               <a:t>(matahmet@gmail.com)</a:t>
             </a:r>
           </a:p>
@@ -6529,7 +6504,7 @@
           <a:p>
             <a:fld id="{274BD4B1-15EE-4FF2-BBDB-1033E8BB136B}" type="datetime1">
               <a:rPr lang="en-US" smtClean="0"/>
-              <a:t>9/22/2021</a:t>
+              <a:t>11/13/21</a:t>
             </a:fld>
             <a:endParaRPr lang="tr-TR"/>
           </a:p>
@@ -6551,10 +6526,9 @@
           <a:lstStyle/>
           <a:p>
             <a:r>
-              <a:rPr lang="tr-TR" smtClean="0"/>
+              <a:rPr lang="tr-TR"/>
               <a:t>EMREHAN</a:t>
             </a:r>
-            <a:endParaRPr lang="tr-TR"/>
           </a:p>
         </p:txBody>
       </p:sp>
@@ -6581,6 +6555,42 @@
           </a:p>
         </p:txBody>
       </p:sp>
+      <p:pic>
+        <p:nvPicPr>
+          <p:cNvPr id="8" name="Picture 7" descr="Logo&#10;&#10;Description automatically generated">
+            <a:extLst>
+              <a:ext uri="{FF2B5EF4-FFF2-40B4-BE49-F238E27FC236}">
+                <a16:creationId xmlns:a16="http://schemas.microsoft.com/office/drawing/2014/main" id="{9CD99E79-012C-814F-A6C8-CBFC86EB32C9}"/>
+              </a:ext>
+            </a:extLst>
+          </p:cNvPr>
+          <p:cNvPicPr>
+            <a:picLocks noChangeAspect="1"/>
+          </p:cNvPicPr>
+          <p:nvPr/>
+        </p:nvPicPr>
+        <p:blipFill>
+          <a:blip r:embed="rId2">
+            <a:extLst>
+              <a:ext uri="{28A0092B-C50C-407E-A947-70E740481C1C}">
+                <a14:useLocalDpi xmlns:a14="http://schemas.microsoft.com/office/drawing/2010/main" val="0"/>
+              </a:ext>
+            </a:extLst>
+          </a:blip>
+          <a:stretch>
+            <a:fillRect/>
+          </a:stretch>
+        </p:blipFill>
+        <p:spPr>
+          <a:xfrm>
+            <a:off x="10630232" y="6422102"/>
+            <a:ext cx="1507338" cy="381468"/>
+          </a:xfrm>
+          <a:prstGeom prst="rect">
+            <a:avLst/>
+          </a:prstGeom>
+        </p:spPr>
+      </p:pic>
     </p:spTree>
     <p:extLst>
       <p:ext uri="{BB962C8B-B14F-4D97-AF65-F5344CB8AC3E}">
@@ -6591,13 +6601,6 @@
   <p:clrMapOvr>
     <a:masterClrMapping/>
   </p:clrMapOvr>
-  <p:timing>
-    <p:tnLst>
-      <p:par>
-        <p:cTn id="1" dur="indefinite" restart="never" nodeType="tmRoot"/>
-      </p:par>
-    </p:tnLst>
-  </p:timing>
 </p:sld>
 </file>
 
@@ -6634,10 +6637,9 @@
           <a:lstStyle/>
           <a:p>
             <a:r>
-              <a:rPr lang="tr-TR" dirty="0" smtClean="0"/>
+              <a:rPr lang="tr-TR" dirty="0"/>
               <a:t>Results</a:t>
             </a:r>
-            <a:endParaRPr lang="tr-TR" dirty="0"/>
           </a:p>
         </p:txBody>
       </p:sp>
@@ -6666,7 +6668,7 @@
               <a:lstStyle/>
               <a:p>
                 <a:r>
-                  <a:rPr lang="tr-TR" dirty="0" smtClean="0"/>
+                  <a:rPr lang="tr-TR" dirty="0"/>
                   <a:t>Accuracy Rates for All Categories and sub-categories over </a:t>
                 </a:r>
                 <a14:m>
@@ -6878,7 +6880,7 @@
           <a:p>
             <a:fld id="{B42B4FB0-0621-45E6-B97F-F77D45599D8C}" type="datetime1">
               <a:rPr lang="en-US" smtClean="0"/>
-              <a:t>9/22/2021</a:t>
+              <a:t>11/13/21</a:t>
             </a:fld>
             <a:endParaRPr lang="tr-TR"/>
           </a:p>
@@ -6900,10 +6902,9 @@
           <a:lstStyle/>
           <a:p>
             <a:r>
-              <a:rPr lang="tr-TR" smtClean="0"/>
+              <a:rPr lang="tr-TR"/>
               <a:t>EMREHAN</a:t>
             </a:r>
-            <a:endParaRPr lang="tr-TR"/>
           </a:p>
         </p:txBody>
       </p:sp>
@@ -6954,6 +6955,42 @@
           <a:xfrm>
             <a:off x="473478" y="1749669"/>
             <a:ext cx="8494676" cy="4536831"/>
+          </a:xfrm>
+          <a:prstGeom prst="rect">
+            <a:avLst/>
+          </a:prstGeom>
+        </p:spPr>
+      </p:pic>
+      <p:pic>
+        <p:nvPicPr>
+          <p:cNvPr id="9" name="Picture 8" descr="Logo&#10;&#10;Description automatically generated">
+            <a:extLst>
+              <a:ext uri="{FF2B5EF4-FFF2-40B4-BE49-F238E27FC236}">
+                <a16:creationId xmlns:a16="http://schemas.microsoft.com/office/drawing/2014/main" id="{751A979E-A054-EA4C-8DCE-E46BD95AA65A}"/>
+              </a:ext>
+            </a:extLst>
+          </p:cNvPr>
+          <p:cNvPicPr>
+            <a:picLocks noChangeAspect="1"/>
+          </p:cNvPicPr>
+          <p:nvPr/>
+        </p:nvPicPr>
+        <p:blipFill>
+          <a:blip r:embed="rId4">
+            <a:extLst>
+              <a:ext uri="{28A0092B-C50C-407E-A947-70E740481C1C}">
+                <a14:useLocalDpi xmlns:a14="http://schemas.microsoft.com/office/drawing/2010/main" val="0"/>
+              </a:ext>
+            </a:extLst>
+          </a:blip>
+          <a:stretch>
+            <a:fillRect/>
+          </a:stretch>
+        </p:blipFill>
+        <p:spPr>
+          <a:xfrm>
+            <a:off x="10630232" y="6422102"/>
+            <a:ext cx="1507338" cy="381468"/>
           </a:xfrm>
           <a:prstGeom prst="rect">
             <a:avLst/>
@@ -7006,10 +7043,9 @@
           <a:lstStyle/>
           <a:p>
             <a:r>
-              <a:rPr lang="tr-TR" dirty="0" smtClean="0"/>
+              <a:rPr lang="tr-TR" dirty="0"/>
               <a:t>Results</a:t>
             </a:r>
-            <a:endParaRPr lang="tr-TR" dirty="0"/>
           </a:p>
         </p:txBody>
       </p:sp>
@@ -7059,7 +7095,7 @@
           <a:p>
             <a:fld id="{B42B4FB0-0621-45E6-B97F-F77D45599D8C}" type="datetime1">
               <a:rPr lang="en-US" smtClean="0"/>
-              <a:t>9/22/2021</a:t>
+              <a:t>11/13/21</a:t>
             </a:fld>
             <a:endParaRPr lang="tr-TR"/>
           </a:p>
@@ -7081,10 +7117,9 @@
           <a:lstStyle/>
           <a:p>
             <a:r>
-              <a:rPr lang="tr-TR" smtClean="0"/>
+              <a:rPr lang="tr-TR"/>
               <a:t>EMREHAN</a:t>
             </a:r>
-            <a:endParaRPr lang="tr-TR"/>
           </a:p>
         </p:txBody>
       </p:sp>
@@ -7111,6 +7146,42 @@
           </a:p>
         </p:txBody>
       </p:sp>
+      <p:pic>
+        <p:nvPicPr>
+          <p:cNvPr id="8" name="Picture 7" descr="Logo&#10;&#10;Description automatically generated">
+            <a:extLst>
+              <a:ext uri="{FF2B5EF4-FFF2-40B4-BE49-F238E27FC236}">
+                <a16:creationId xmlns:a16="http://schemas.microsoft.com/office/drawing/2014/main" id="{5C49505B-FEE5-3F4A-8A05-BD2671461C62}"/>
+              </a:ext>
+            </a:extLst>
+          </p:cNvPr>
+          <p:cNvPicPr>
+            <a:picLocks noChangeAspect="1"/>
+          </p:cNvPicPr>
+          <p:nvPr/>
+        </p:nvPicPr>
+        <p:blipFill>
+          <a:blip r:embed="rId3">
+            <a:extLst>
+              <a:ext uri="{28A0092B-C50C-407E-A947-70E740481C1C}">
+                <a14:useLocalDpi xmlns:a14="http://schemas.microsoft.com/office/drawing/2010/main" val="0"/>
+              </a:ext>
+            </a:extLst>
+          </a:blip>
+          <a:stretch>
+            <a:fillRect/>
+          </a:stretch>
+        </p:blipFill>
+        <p:spPr>
+          <a:xfrm>
+            <a:off x="10630232" y="6422102"/>
+            <a:ext cx="1507338" cy="381468"/>
+          </a:xfrm>
+          <a:prstGeom prst="rect">
+            <a:avLst/>
+          </a:prstGeom>
+        </p:spPr>
+      </p:pic>
     </p:spTree>
     <p:extLst>
       <p:ext uri="{BB962C8B-B14F-4D97-AF65-F5344CB8AC3E}">
@@ -7160,20 +7231,12 @@
               <a:rPr lang="tr-TR" dirty="0"/>
               <a:t>PREDICTION MODELS </a:t>
             </a:r>
-            <a:r>
-              <a:rPr lang="tr-TR" dirty="0" smtClean="0"/>
-              <a:t/>
-            </a:r>
             <a:br>
-              <a:rPr lang="tr-TR" dirty="0" smtClean="0"/>
+              <a:rPr lang="tr-TR" dirty="0"/>
             </a:br>
             <a:r>
-              <a:rPr lang="tr-TR" dirty="0" smtClean="0"/>
-              <a:t>BASED </a:t>
-            </a:r>
-            <a:r>
               <a:rPr lang="tr-TR" dirty="0"/>
-              <a:t>ON MAX-STEMS</a:t>
+              <a:t>BASED ON MAX-STEMS</a:t>
             </a:r>
           </a:p>
         </p:txBody>
@@ -7194,28 +7257,27 @@
           <a:lstStyle/>
           <a:p>
             <a:r>
-              <a:rPr lang="tr-TR" dirty="0" smtClean="0"/>
+              <a:rPr lang="tr-TR" dirty="0"/>
               <a:t>Episode One: One-Word Based</a:t>
             </a:r>
           </a:p>
           <a:p>
             <a:r>
-              <a:rPr lang="tr-TR" dirty="0" smtClean="0"/>
+              <a:rPr lang="tr-TR" dirty="0"/>
               <a:t>Episode Two: A Combinatorial Approach</a:t>
             </a:r>
           </a:p>
           <a:p>
             <a:r>
-              <a:rPr lang="tr-TR" dirty="0" smtClean="0"/>
+              <a:rPr lang="tr-TR" dirty="0"/>
               <a:t>Episode Three: Effect of Hyperparameters</a:t>
             </a:r>
           </a:p>
           <a:p>
             <a:r>
-              <a:rPr lang="tr-TR" dirty="0" smtClean="0"/>
+              <a:rPr lang="tr-TR" dirty="0"/>
               <a:t>Episode Four: Advanced Examinations</a:t>
             </a:r>
-            <a:endParaRPr lang="tr-TR" dirty="0"/>
           </a:p>
         </p:txBody>
       </p:sp>
@@ -7236,7 +7298,7 @@
           <a:p>
             <a:fld id="{3D18DA87-FF4F-4A3F-9765-6666B7DB4AFD}" type="datetime1">
               <a:rPr lang="en-US" smtClean="0"/>
-              <a:t>9/22/2021</a:t>
+              <a:t>11/13/21</a:t>
             </a:fld>
             <a:endParaRPr lang="tr-TR"/>
           </a:p>
@@ -7258,10 +7320,9 @@
           <a:lstStyle/>
           <a:p>
             <a:r>
-              <a:rPr lang="tr-TR" smtClean="0"/>
+              <a:rPr lang="tr-TR"/>
               <a:t>EMREHAN</a:t>
             </a:r>
-            <a:endParaRPr lang="tr-TR"/>
           </a:p>
         </p:txBody>
       </p:sp>
@@ -7288,6 +7349,42 @@
           </a:p>
         </p:txBody>
       </p:sp>
+      <p:pic>
+        <p:nvPicPr>
+          <p:cNvPr id="7" name="Picture 6" descr="Logo&#10;&#10;Description automatically generated">
+            <a:extLst>
+              <a:ext uri="{FF2B5EF4-FFF2-40B4-BE49-F238E27FC236}">
+                <a16:creationId xmlns:a16="http://schemas.microsoft.com/office/drawing/2014/main" id="{B2A9882E-A91C-4E44-9A91-F1F47E10D362}"/>
+              </a:ext>
+            </a:extLst>
+          </p:cNvPr>
+          <p:cNvPicPr>
+            <a:picLocks noChangeAspect="1"/>
+          </p:cNvPicPr>
+          <p:nvPr/>
+        </p:nvPicPr>
+        <p:blipFill>
+          <a:blip r:embed="rId2">
+            <a:extLst>
+              <a:ext uri="{28A0092B-C50C-407E-A947-70E740481C1C}">
+                <a14:useLocalDpi xmlns:a14="http://schemas.microsoft.com/office/drawing/2010/main" val="0"/>
+              </a:ext>
+            </a:extLst>
+          </a:blip>
+          <a:stretch>
+            <a:fillRect/>
+          </a:stretch>
+        </p:blipFill>
+        <p:spPr>
+          <a:xfrm>
+            <a:off x="10630232" y="6422102"/>
+            <a:ext cx="1507338" cy="381468"/>
+          </a:xfrm>
+          <a:prstGeom prst="rect">
+            <a:avLst/>
+          </a:prstGeom>
+        </p:spPr>
+      </p:pic>
     </p:spTree>
     <p:extLst>
       <p:ext uri="{BB962C8B-B14F-4D97-AF65-F5344CB8AC3E}">
@@ -7298,13 +7395,6 @@
   <p:clrMapOvr>
     <a:masterClrMapping/>
   </p:clrMapOvr>
-  <p:timing>
-    <p:tnLst>
-      <p:par>
-        <p:cTn id="1" dur="indefinite" restart="never" nodeType="tmRoot"/>
-      </p:par>
-    </p:tnLst>
-  </p:timing>
 </p:sld>
 </file>
 
@@ -7341,10 +7431,9 @@
           <a:lstStyle/>
           <a:p>
             <a:r>
-              <a:rPr lang="tr-TR" dirty="0" smtClean="0"/>
+              <a:rPr lang="tr-TR" dirty="0"/>
               <a:t>INTRODUCTION</a:t>
             </a:r>
-            <a:endParaRPr lang="tr-TR" dirty="0"/>
           </a:p>
         </p:txBody>
       </p:sp>
@@ -7367,7 +7456,7 @@
               <a:p>
                 <a:pPr algn="just"/>
                 <a:r>
-                  <a:rPr lang="tr-TR" dirty="0" smtClean="0"/>
+                  <a:rPr lang="tr-TR" dirty="0"/>
                   <a:t>The model in this section is with hyperparameter. </a:t>
                 </a:r>
                 <a14:m>
@@ -7410,10 +7499,9 @@
                   </m:oMath>
                 </a14:m>
                 <a:r>
-                  <a:rPr lang="tr-TR" dirty="0" smtClean="0"/>
+                  <a:rPr lang="tr-TR" dirty="0"/>
                   <a:t> are the  hyperparameters controlling length of max-stem and frequencies of max-stem in main categories respectively. </a:t>
                 </a:r>
-                <a:endParaRPr lang="tr-TR" dirty="0"/>
               </a:p>
             </p:txBody>
           </p:sp>
@@ -7469,7 +7557,7 @@
           <a:p>
             <a:fld id="{061B5296-6EB9-4CAA-A3E7-7F80FCD7037D}" type="datetime1">
               <a:rPr lang="en-US" smtClean="0"/>
-              <a:t>9/22/2021</a:t>
+              <a:t>11/13/21</a:t>
             </a:fld>
             <a:endParaRPr lang="tr-TR"/>
           </a:p>
@@ -7491,10 +7579,9 @@
           <a:lstStyle/>
           <a:p>
             <a:r>
-              <a:rPr lang="tr-TR" smtClean="0"/>
+              <a:rPr lang="tr-TR"/>
               <a:t>EMREHAN</a:t>
             </a:r>
-            <a:endParaRPr lang="tr-TR"/>
           </a:p>
         </p:txBody>
       </p:sp>
@@ -7521,6 +7608,42 @@
           </a:p>
         </p:txBody>
       </p:sp>
+      <p:pic>
+        <p:nvPicPr>
+          <p:cNvPr id="7" name="Picture 6" descr="Logo&#10;&#10;Description automatically generated">
+            <a:extLst>
+              <a:ext uri="{FF2B5EF4-FFF2-40B4-BE49-F238E27FC236}">
+                <a16:creationId xmlns:a16="http://schemas.microsoft.com/office/drawing/2014/main" id="{49E0362C-3FE9-0644-A983-96B02C473E45}"/>
+              </a:ext>
+            </a:extLst>
+          </p:cNvPr>
+          <p:cNvPicPr>
+            <a:picLocks noChangeAspect="1"/>
+          </p:cNvPicPr>
+          <p:nvPr/>
+        </p:nvPicPr>
+        <p:blipFill>
+          <a:blip r:embed="rId2">
+            <a:extLst>
+              <a:ext uri="{28A0092B-C50C-407E-A947-70E740481C1C}">
+                <a14:useLocalDpi xmlns:a14="http://schemas.microsoft.com/office/drawing/2010/main" val="0"/>
+              </a:ext>
+            </a:extLst>
+          </a:blip>
+          <a:stretch>
+            <a:fillRect/>
+          </a:stretch>
+        </p:blipFill>
+        <p:spPr>
+          <a:xfrm>
+            <a:off x="10630232" y="6422102"/>
+            <a:ext cx="1507338" cy="381468"/>
+          </a:xfrm>
+          <a:prstGeom prst="rect">
+            <a:avLst/>
+          </a:prstGeom>
+        </p:spPr>
+      </p:pic>
     </p:spTree>
     <p:extLst>
       <p:ext uri="{BB962C8B-B14F-4D97-AF65-F5344CB8AC3E}">
@@ -7567,10 +7690,9 @@
           <a:lstStyle/>
           <a:p>
             <a:r>
-              <a:rPr lang="tr-TR" dirty="0" smtClean="0"/>
+              <a:rPr lang="tr-TR" dirty="0"/>
               <a:t>COMPONENTS OF MODELS</a:t>
             </a:r>
-            <a:endParaRPr lang="tr-TR" dirty="0"/>
           </a:p>
         </p:txBody>
       </p:sp>
@@ -7674,7 +7796,7 @@
                     </m:d>
                   </m:oMath>
                 </a14:m>
-                <a:endParaRPr lang="tr-TR" b="0" dirty="0" smtClean="0"/>
+                <a:endParaRPr lang="tr-TR" b="0" dirty="0"/>
               </a:p>
               <a:p>
                 <a14:m>
@@ -7760,7 +7882,7 @@
                     </m:r>
                   </m:oMath>
                 </a14:m>
-                <a:endParaRPr lang="tr-TR" b="0" dirty="0" smtClean="0"/>
+                <a:endParaRPr lang="tr-TR" b="0" dirty="0"/>
               </a:p>
               <a:p>
                 <a14:m>
@@ -7839,7 +7961,7 @@
                     </m:r>
                   </m:oMath>
                 </a14:m>
-                <a:endParaRPr lang="tr-TR" b="0" dirty="0" smtClean="0"/>
+                <a:endParaRPr lang="tr-TR" b="0" dirty="0"/>
               </a:p>
               <a:p>
                 <a14:m>
@@ -8039,7 +8161,7 @@
                     </m:r>
                   </m:oMath>
                 </a14:m>
-                <a:endParaRPr lang="tr-TR" b="0" dirty="0" smtClean="0"/>
+                <a:endParaRPr lang="tr-TR" b="0" dirty="0"/>
               </a:p>
               <a:p>
                 <a14:m>
@@ -8168,7 +8290,7 @@
                     </m:r>
                   </m:oMath>
                 </a14:m>
-                <a:endParaRPr lang="tr-TR" i="1" dirty="0" smtClean="0">
+                <a:endParaRPr lang="tr-TR" i="1" dirty="0">
                   <a:latin typeface="Cambria Math" panose="02040503050406030204" pitchFamily="18" charset="0"/>
                 </a:endParaRPr>
               </a:p>
@@ -8316,7 +8438,7 @@
                     </m:oMath>
                   </m:oMathPara>
                 </a14:m>
-                <a:endParaRPr lang="tr-TR" b="0" i="1" dirty="0" smtClean="0">
+                <a:endParaRPr lang="tr-TR" b="0" i="1" dirty="0">
                   <a:latin typeface="Cambria Math" panose="02040503050406030204" pitchFamily="18" charset="0"/>
                 </a:endParaRPr>
               </a:p>
@@ -8399,7 +8521,7 @@
                     </m:sSub>
                   </m:oMath>
                 </a14:m>
-                <a:endParaRPr lang="tr-TR" b="0" i="1" dirty="0" smtClean="0">
+                <a:endParaRPr lang="tr-TR" b="0" i="1" dirty="0">
                   <a:latin typeface="Cambria Math" panose="02040503050406030204" pitchFamily="18" charset="0"/>
                 </a:endParaRPr>
               </a:p>
@@ -8589,7 +8711,7 @@
                     </m:r>
                   </m:oMath>
                 </a14:m>
-                <a:endParaRPr lang="tr-TR" b="0" i="1" dirty="0" smtClean="0">
+                <a:endParaRPr lang="tr-TR" b="0" i="1" dirty="0">
                   <a:latin typeface="Cambria Math" panose="02040503050406030204" pitchFamily="18" charset="0"/>
                 </a:endParaRPr>
               </a:p>
@@ -8849,48 +8971,27 @@
                     </m:r>
                   </m:oMath>
                 </a14:m>
-                <a:endParaRPr lang="tr-TR" sz="1200" b="0" i="1" dirty="0" smtClean="0">
+                <a:endParaRPr lang="tr-TR" sz="1200" b="0" i="1" dirty="0">
                   <a:latin typeface="Cambria Math" panose="02040503050406030204" pitchFamily="18" charset="0"/>
                 </a:endParaRPr>
               </a:p>
               <a:p>
-                <a:endParaRPr lang="tr-TR" sz="1600" b="0" i="1" dirty="0" smtClean="0">
+                <a:endParaRPr lang="tr-TR" sz="1600" b="0" i="1" dirty="0">
                   <a:latin typeface="Cambria Math" panose="02040503050406030204" pitchFamily="18" charset="0"/>
                 </a:endParaRPr>
               </a:p>
               <a:p>
-                <a:endParaRPr lang="tr-TR" sz="1200" b="0" i="1" dirty="0" smtClean="0">
+                <a:endParaRPr lang="tr-TR" sz="1200" b="0" i="1" dirty="0">
                   <a:latin typeface="Cambria Math" panose="02040503050406030204" pitchFamily="18" charset="0"/>
                 </a:endParaRPr>
               </a:p>
               <a:p>
-                <a:endParaRPr lang="tr-TR" b="0" i="1" dirty="0" smtClean="0">
+                <a:endParaRPr lang="tr-TR" b="0" i="1" dirty="0">
                   <a:latin typeface="Cambria Math" panose="02040503050406030204" pitchFamily="18" charset="0"/>
                 </a:endParaRPr>
               </a:p>
               <a:p>
-                <a:endParaRPr lang="tr-TR" b="0" i="1" dirty="0" smtClean="0">
-                  <a:latin typeface="Cambria Math" panose="02040503050406030204" pitchFamily="18" charset="0"/>
-                </a:endParaRPr>
-              </a:p>
-              <a:p>
-                <a:endParaRPr lang="tr-TR" i="1" dirty="0" smtClean="0">
-                  <a:latin typeface="Cambria Math" panose="02040503050406030204" pitchFamily="18" charset="0"/>
-                </a:endParaRPr>
-              </a:p>
-              <a:p>
-                <a:pPr marL="0" indent="0">
-                  <a:buNone/>
-                </a:pPr>
-                <a:endParaRPr lang="tr-TR" i="1" dirty="0" smtClean="0">
-                  <a:latin typeface="Cambria Math" panose="02040503050406030204" pitchFamily="18" charset="0"/>
-                </a:endParaRPr>
-              </a:p>
-              <a:p>
-                <a:pPr marL="0" indent="0">
-                  <a:buNone/>
-                </a:pPr>
-                <a:endParaRPr lang="tr-TR" i="1" dirty="0" smtClean="0">
+                <a:endParaRPr lang="tr-TR" b="0" i="1" dirty="0">
                   <a:latin typeface="Cambria Math" panose="02040503050406030204" pitchFamily="18" charset="0"/>
                 </a:endParaRPr>
               </a:p>
@@ -8900,7 +9001,10 @@
                 </a:endParaRPr>
               </a:p>
               <a:p>
-                <a:endParaRPr lang="tr-TR" i="1" dirty="0" smtClean="0">
+                <a:pPr marL="0" indent="0">
+                  <a:buNone/>
+                </a:pPr>
+                <a:endParaRPr lang="tr-TR" i="1" dirty="0">
                   <a:latin typeface="Cambria Math" panose="02040503050406030204" pitchFamily="18" charset="0"/>
                 </a:endParaRPr>
               </a:p>
@@ -8908,13 +9012,31 @@
                 <a:pPr marL="0" indent="0">
                   <a:buNone/>
                 </a:pPr>
-                <a:endParaRPr lang="tr-TR" sz="1600" b="0" dirty="0" smtClean="0"/>
+                <a:endParaRPr lang="tr-TR" i="1" dirty="0">
+                  <a:latin typeface="Cambria Math" panose="02040503050406030204" pitchFamily="18" charset="0"/>
+                </a:endParaRPr>
+              </a:p>
+              <a:p>
+                <a:endParaRPr lang="tr-TR" i="1" dirty="0">
+                  <a:latin typeface="Cambria Math" panose="02040503050406030204" pitchFamily="18" charset="0"/>
+                </a:endParaRPr>
+              </a:p>
+              <a:p>
+                <a:endParaRPr lang="tr-TR" i="1" dirty="0">
+                  <a:latin typeface="Cambria Math" panose="02040503050406030204" pitchFamily="18" charset="0"/>
+                </a:endParaRPr>
               </a:p>
               <a:p>
                 <a:pPr marL="0" indent="0">
                   <a:buNone/>
                 </a:pPr>
-                <a:endParaRPr lang="tr-TR" sz="1600" b="0" dirty="0" smtClean="0"/>
+                <a:endParaRPr lang="tr-TR" sz="1600" b="0" dirty="0"/>
+              </a:p>
+              <a:p>
+                <a:pPr marL="0" indent="0">
+                  <a:buNone/>
+                </a:pPr>
+                <a:endParaRPr lang="tr-TR" sz="1600" b="0" dirty="0"/>
               </a:p>
               <a:p>
                 <a:pPr marL="0" indent="0">
@@ -8923,7 +9045,7 @@
                 <a:endParaRPr lang="tr-TR" sz="1600" dirty="0"/>
               </a:p>
               <a:p>
-                <a:endParaRPr lang="tr-TR" b="0" dirty="0" smtClean="0"/>
+                <a:endParaRPr lang="tr-TR" b="0" dirty="0"/>
               </a:p>
               <a:p>
                 <a:endParaRPr lang="tr-TR" dirty="0"/>
@@ -8982,7 +9104,7 @@
           <a:p>
             <a:fld id="{28DDC33F-1225-4D78-896B-FB22ACFFFEE3}" type="datetime1">
               <a:rPr lang="en-US" smtClean="0"/>
-              <a:t>9/22/2021</a:t>
+              <a:t>11/13/21</a:t>
             </a:fld>
             <a:endParaRPr lang="tr-TR"/>
           </a:p>
@@ -9004,10 +9126,9 @@
           <a:lstStyle/>
           <a:p>
             <a:r>
-              <a:rPr lang="tr-TR" smtClean="0"/>
+              <a:rPr lang="tr-TR"/>
               <a:t>EMREHAN</a:t>
             </a:r>
-            <a:endParaRPr lang="tr-TR"/>
           </a:p>
         </p:txBody>
       </p:sp>
@@ -9034,6 +9155,42 @@
           </a:p>
         </p:txBody>
       </p:sp>
+      <p:pic>
+        <p:nvPicPr>
+          <p:cNvPr id="7" name="Picture 6" descr="Logo&#10;&#10;Description automatically generated">
+            <a:extLst>
+              <a:ext uri="{FF2B5EF4-FFF2-40B4-BE49-F238E27FC236}">
+                <a16:creationId xmlns:a16="http://schemas.microsoft.com/office/drawing/2014/main" id="{1F8C2D4D-12B7-2249-AB0D-B2C20CFED36E}"/>
+              </a:ext>
+            </a:extLst>
+          </p:cNvPr>
+          <p:cNvPicPr>
+            <a:picLocks noChangeAspect="1"/>
+          </p:cNvPicPr>
+          <p:nvPr/>
+        </p:nvPicPr>
+        <p:blipFill>
+          <a:blip r:embed="rId3">
+            <a:extLst>
+              <a:ext uri="{28A0092B-C50C-407E-A947-70E740481C1C}">
+                <a14:useLocalDpi xmlns:a14="http://schemas.microsoft.com/office/drawing/2010/main" val="0"/>
+              </a:ext>
+            </a:extLst>
+          </a:blip>
+          <a:stretch>
+            <a:fillRect/>
+          </a:stretch>
+        </p:blipFill>
+        <p:spPr>
+          <a:xfrm>
+            <a:off x="10630232" y="6422102"/>
+            <a:ext cx="1507338" cy="381468"/>
+          </a:xfrm>
+          <a:prstGeom prst="rect">
+            <a:avLst/>
+          </a:prstGeom>
+        </p:spPr>
+      </p:pic>
     </p:spTree>
     <p:extLst>
       <p:ext uri="{BB962C8B-B14F-4D97-AF65-F5344CB8AC3E}">
@@ -9044,13 +9201,6 @@
   <p:clrMapOvr>
     <a:masterClrMapping/>
   </p:clrMapOvr>
-  <p:timing>
-    <p:tnLst>
-      <p:par>
-        <p:cTn id="1" dur="indefinite" restart="never" nodeType="tmRoot"/>
-      </p:par>
-    </p:tnLst>
-  </p:timing>
 </p:sld>
 </file>
 
@@ -9087,18 +9237,9 @@
           <a:lstStyle/>
           <a:p>
             <a:r>
-              <a:rPr lang="tr-TR" dirty="0" smtClean="0"/>
-              <a:t>COMPONENTS </a:t>
+              <a:rPr lang="tr-TR" dirty="0"/>
+              <a:t>COMPONENTS OF MODELS</a:t>
             </a:r>
-            <a:r>
-              <a:rPr lang="tr-TR" dirty="0"/>
-              <a:t>OF </a:t>
-            </a:r>
-            <a:r>
-              <a:rPr lang="tr-TR" dirty="0" smtClean="0"/>
-              <a:t>MODELS</a:t>
-            </a:r>
-            <a:endParaRPr lang="tr-TR" dirty="0"/>
           </a:p>
         </p:txBody>
       </p:sp>
@@ -9316,7 +9457,7 @@
                     </m:func>
                   </m:oMath>
                 </a14:m>
-                <a:endParaRPr lang="tr-TR" dirty="0" smtClean="0"/>
+                <a:endParaRPr lang="tr-TR" dirty="0"/>
               </a:p>
               <a:p>
                 <a14:m>
@@ -9499,7 +9640,7 @@
                     </m:sSup>
                   </m:oMath>
                 </a14:m>
-                <a:endParaRPr lang="tr-TR" dirty="0" smtClean="0"/>
+                <a:endParaRPr lang="tr-TR" dirty="0"/>
               </a:p>
               <a:p>
                 <a14:m>
@@ -9587,7 +9728,7 @@
                     </m:sSub>
                   </m:oMath>
                 </a14:m>
-                <a:endParaRPr lang="tr-TR" dirty="0" smtClean="0"/>
+                <a:endParaRPr lang="tr-TR" dirty="0"/>
               </a:p>
               <a:p>
                 <a14:m>
@@ -9784,7 +9925,7 @@
                   </m:oMath>
                 </a14:m>
                 <a:r>
-                  <a:rPr lang="tr-TR" sz="2400" dirty="0" smtClean="0"/>
+                  <a:rPr lang="tr-TR" sz="2400" dirty="0"/>
                   <a:t> *</a:t>
                 </a:r>
               </a:p>
@@ -9864,7 +10005,7 @@
                   </m:oMath>
                 </a14:m>
                 <a:r>
-                  <a:rPr lang="tr-TR" i="1" dirty="0" smtClean="0">
+                  <a:rPr lang="tr-TR" i="1" dirty="0">
                     <a:latin typeface="Cambria Math" panose="02040503050406030204" pitchFamily="18" charset="0"/>
                   </a:rPr>
                   <a:t>=0, </a:t>
@@ -9908,7 +10049,7 @@
                   </m:oMath>
                 </a14:m>
                 <a:r>
-                  <a:rPr lang="tr-TR" i="1" dirty="0" smtClean="0">
+                  <a:rPr lang="tr-TR" i="1" dirty="0">
                     <a:latin typeface="Cambria Math" panose="02040503050406030204" pitchFamily="18" charset="0"/>
                   </a:rPr>
                   <a:t>:=0 </a:t>
@@ -10101,7 +10242,7 @@
                     </m:f>
                   </m:oMath>
                 </a14:m>
-                <a:endParaRPr lang="tr-TR" b="0" i="1" dirty="0" smtClean="0">
+                <a:endParaRPr lang="tr-TR" b="0" i="1" dirty="0">
                   <a:latin typeface="Cambria Math" panose="02040503050406030204" pitchFamily="18" charset="0"/>
                 </a:endParaRPr>
               </a:p>
@@ -10311,12 +10452,7 @@
                     </m:oMath>
                   </m:oMathPara>
                 </a14:m>
-                <a:endParaRPr lang="tr-TR" sz="1400" i="1" dirty="0" smtClean="0">
-                  <a:latin typeface="Cambria Math" panose="02040503050406030204" pitchFamily="18" charset="0"/>
-                </a:endParaRPr>
-              </a:p>
-              <a:p>
-                <a:endParaRPr lang="tr-TR" i="1" dirty="0" smtClean="0">
+                <a:endParaRPr lang="tr-TR" sz="1400" i="1" dirty="0">
                   <a:latin typeface="Cambria Math" panose="02040503050406030204" pitchFamily="18" charset="0"/>
                 </a:endParaRPr>
               </a:p>
@@ -10326,13 +10462,18 @@
                 </a:endParaRPr>
               </a:p>
               <a:p>
-                <a:endParaRPr lang="tr-TR" dirty="0" smtClean="0"/>
+                <a:endParaRPr lang="tr-TR" i="1" dirty="0">
+                  <a:latin typeface="Cambria Math" panose="02040503050406030204" pitchFamily="18" charset="0"/>
+                </a:endParaRPr>
               </a:p>
               <a:p>
-                <a:endParaRPr lang="tr-TR" dirty="0" smtClean="0"/>
+                <a:endParaRPr lang="tr-TR" dirty="0"/>
               </a:p>
               <a:p>
-                <a:endParaRPr lang="tr-TR" dirty="0" smtClean="0"/>
+                <a:endParaRPr lang="tr-TR" dirty="0"/>
+              </a:p>
+              <a:p>
+                <a:endParaRPr lang="tr-TR" dirty="0"/>
               </a:p>
               <a:p>
                 <a:endParaRPr lang="tr-TR" dirty="0"/>
@@ -10391,7 +10532,7 @@
           <a:p>
             <a:fld id="{2E7F072E-1168-47B2-BF60-10D663444E82}" type="datetime1">
               <a:rPr lang="en-US" smtClean="0"/>
-              <a:t>9/22/2021</a:t>
+              <a:t>11/13/21</a:t>
             </a:fld>
             <a:endParaRPr lang="tr-TR"/>
           </a:p>
@@ -10413,10 +10554,9 @@
           <a:lstStyle/>
           <a:p>
             <a:r>
-              <a:rPr lang="tr-TR" smtClean="0"/>
+              <a:rPr lang="tr-TR"/>
               <a:t>EMREHAN</a:t>
             </a:r>
-            <a:endParaRPr lang="tr-TR"/>
           </a:p>
         </p:txBody>
       </p:sp>
@@ -10443,6 +10583,42 @@
           </a:p>
         </p:txBody>
       </p:sp>
+      <p:pic>
+        <p:nvPicPr>
+          <p:cNvPr id="7" name="Picture 6" descr="Logo&#10;&#10;Description automatically generated">
+            <a:extLst>
+              <a:ext uri="{FF2B5EF4-FFF2-40B4-BE49-F238E27FC236}">
+                <a16:creationId xmlns:a16="http://schemas.microsoft.com/office/drawing/2014/main" id="{0F8A0898-DF9C-1C4F-BD7D-EF2B8C9F9FF8}"/>
+              </a:ext>
+            </a:extLst>
+          </p:cNvPr>
+          <p:cNvPicPr>
+            <a:picLocks noChangeAspect="1"/>
+          </p:cNvPicPr>
+          <p:nvPr/>
+        </p:nvPicPr>
+        <p:blipFill>
+          <a:blip r:embed="rId3">
+            <a:extLst>
+              <a:ext uri="{28A0092B-C50C-407E-A947-70E740481C1C}">
+                <a14:useLocalDpi xmlns:a14="http://schemas.microsoft.com/office/drawing/2010/main" val="0"/>
+              </a:ext>
+            </a:extLst>
+          </a:blip>
+          <a:stretch>
+            <a:fillRect/>
+          </a:stretch>
+        </p:blipFill>
+        <p:spPr>
+          <a:xfrm>
+            <a:off x="10630232" y="6422102"/>
+            <a:ext cx="1507338" cy="381468"/>
+          </a:xfrm>
+          <a:prstGeom prst="rect">
+            <a:avLst/>
+          </a:prstGeom>
+        </p:spPr>
+      </p:pic>
     </p:spTree>
     <p:extLst>
       <p:ext uri="{BB962C8B-B14F-4D97-AF65-F5344CB8AC3E}">
@@ -10453,13 +10629,6 @@
   <p:clrMapOvr>
     <a:masterClrMapping/>
   </p:clrMapOvr>
-  <p:timing>
-    <p:tnLst>
-      <p:par>
-        <p:cTn id="1" dur="indefinite" restart="never" nodeType="tmRoot"/>
-      </p:par>
-    </p:tnLst>
-  </p:timing>
 </p:sld>
 </file>
 
@@ -10832,14 +11001,14 @@
                     </m:r>
                   </m:oMath>
                 </a14:m>
-                <a:endParaRPr lang="tr-TR" b="0" dirty="0" smtClean="0"/>
+                <a:endParaRPr lang="tr-TR" b="0" dirty="0"/>
               </a:p>
               <a:p>
                 <a:pPr marL="0" indent="0">
                   <a:buNone/>
                 </a:pPr>
                 <a:r>
-                  <a:rPr lang="tr-TR" b="0" dirty="0" smtClean="0"/>
+                  <a:rPr lang="tr-TR" b="0" dirty="0"/>
                   <a:t>	</a:t>
                 </a:r>
                 <a14:m>
@@ -11065,7 +11234,7 @@
                   </a:rPr>
                   <a:t>=0 </a:t>
                 </a:r>
-                <a:endParaRPr lang="tr-TR" b="0" dirty="0" smtClean="0"/>
+                <a:endParaRPr lang="tr-TR" b="0" dirty="0"/>
               </a:p>
               <a:p>
                 <a14:m>
@@ -11211,16 +11380,16 @@
                     </m:r>
                   </m:oMath>
                 </a14:m>
-                <a:endParaRPr lang="tr-TR" dirty="0" smtClean="0"/>
+                <a:endParaRPr lang="tr-TR" dirty="0"/>
               </a:p>
               <a:p>
-                <a:endParaRPr lang="tr-TR" dirty="0" smtClean="0"/>
+                <a:endParaRPr lang="tr-TR" dirty="0"/>
               </a:p>
               <a:p>
                 <a:pPr marL="0" indent="0">
                   <a:buNone/>
                 </a:pPr>
-                <a:endParaRPr lang="tr-TR" dirty="0" smtClean="0"/>
+                <a:endParaRPr lang="tr-TR" dirty="0"/>
               </a:p>
               <a:p>
                 <a:endParaRPr lang="tr-TR" dirty="0"/>
@@ -11279,7 +11448,7 @@
           <a:p>
             <a:fld id="{8E5FB666-D703-46C6-A2C3-E441E544F8D9}" type="datetime1">
               <a:rPr lang="en-US" smtClean="0"/>
-              <a:t>9/22/2021</a:t>
+              <a:t>11/13/21</a:t>
             </a:fld>
             <a:endParaRPr lang="tr-TR"/>
           </a:p>
@@ -11301,10 +11470,9 @@
           <a:lstStyle/>
           <a:p>
             <a:r>
-              <a:rPr lang="tr-TR" smtClean="0"/>
+              <a:rPr lang="tr-TR"/>
               <a:t>EMREHAN</a:t>
             </a:r>
-            <a:endParaRPr lang="tr-TR"/>
           </a:p>
         </p:txBody>
       </p:sp>
@@ -11331,6 +11499,42 @@
           </a:p>
         </p:txBody>
       </p:sp>
+      <p:pic>
+        <p:nvPicPr>
+          <p:cNvPr id="7" name="Picture 6" descr="Logo&#10;&#10;Description automatically generated">
+            <a:extLst>
+              <a:ext uri="{FF2B5EF4-FFF2-40B4-BE49-F238E27FC236}">
+                <a16:creationId xmlns:a16="http://schemas.microsoft.com/office/drawing/2014/main" id="{074F4E65-5A6A-ED4E-9262-83956CCF1F2D}"/>
+              </a:ext>
+            </a:extLst>
+          </p:cNvPr>
+          <p:cNvPicPr>
+            <a:picLocks noChangeAspect="1"/>
+          </p:cNvPicPr>
+          <p:nvPr/>
+        </p:nvPicPr>
+        <p:blipFill>
+          <a:blip r:embed="rId3">
+            <a:extLst>
+              <a:ext uri="{28A0092B-C50C-407E-A947-70E740481C1C}">
+                <a14:useLocalDpi xmlns:a14="http://schemas.microsoft.com/office/drawing/2010/main" val="0"/>
+              </a:ext>
+            </a:extLst>
+          </a:blip>
+          <a:stretch>
+            <a:fillRect/>
+          </a:stretch>
+        </p:blipFill>
+        <p:spPr>
+          <a:xfrm>
+            <a:off x="10630232" y="6422102"/>
+            <a:ext cx="1507338" cy="381468"/>
+          </a:xfrm>
+          <a:prstGeom prst="rect">
+            <a:avLst/>
+          </a:prstGeom>
+        </p:spPr>
+      </p:pic>
     </p:spTree>
     <p:extLst>
       <p:ext uri="{BB962C8B-B14F-4D97-AF65-F5344CB8AC3E}">
@@ -11341,13 +11545,6 @@
   <p:clrMapOvr>
     <a:masterClrMapping/>
   </p:clrMapOvr>
-  <p:timing>
-    <p:tnLst>
-      <p:par>
-        <p:cTn id="1" dur="indefinite" restart="never" nodeType="tmRoot"/>
-      </p:par>
-    </p:tnLst>
-  </p:timing>
 </p:sld>
 </file>
 
@@ -11404,20 +11601,7 @@
                   </a:outerShdw>
                 </a:effectLst>
               </a:rPr>
-              <a:t>General </a:t>
-            </a:r>
-            <a:r>
-              <a:rPr lang="tr-TR" sz="2400" dirty="0" smtClean="0">
-                <a:ln w="0"/>
-                <a:effectLst>
-                  <a:outerShdw blurRad="38100" dist="19050" dir="2700000" algn="tl" rotWithShape="0">
-                    <a:schemeClr val="dk1">
-                      <a:alpha val="40000"/>
-                    </a:schemeClr>
-                  </a:outerShdw>
-                </a:effectLst>
-              </a:rPr>
-              <a:t>Scheme for Prediction Models with hyperparameters</a:t>
+              <a:t>General Scheme for Prediction Models with hyperparameters</a:t>
             </a:r>
             <a:endParaRPr lang="tr-TR" sz="2400" dirty="0"/>
           </a:p>
@@ -11463,18 +11647,13 @@
           <a:p>
             <a:pPr algn="ctr"/>
             <a:r>
-              <a:rPr lang="tr-TR" dirty="0" smtClean="0">
+              <a:rPr lang="tr-TR" dirty="0">
                 <a:solidFill>
                   <a:schemeClr val="tx1"/>
                 </a:solidFill>
               </a:rPr>
               <a:t>X_test</a:t>
             </a:r>
-            <a:endParaRPr lang="tr-TR" dirty="0">
-              <a:solidFill>
-                <a:schemeClr val="tx1"/>
-              </a:solidFill>
-            </a:endParaRPr>
           </a:p>
         </p:txBody>
       </p:sp>
@@ -11751,18 +11930,13 @@
                   </m:oMath>
                 </a14:m>
                 <a:r>
-                  <a:rPr lang="tr-TR" sz="1000" dirty="0" smtClean="0">
+                  <a:rPr lang="tr-TR" sz="1000" dirty="0">
                     <a:solidFill>
                       <a:schemeClr val="tx1"/>
                     </a:solidFill>
                   </a:rPr>
                   <a:t>)</a:t>
                 </a:r>
-                <a:endParaRPr lang="tr-TR" sz="1000" dirty="0">
-                  <a:solidFill>
-                    <a:schemeClr val="tx1"/>
-                  </a:solidFill>
-                </a:endParaRPr>
               </a:p>
             </p:txBody>
           </p:sp>
@@ -12245,18 +12419,13 @@
                   </m:oMath>
                 </a14:m>
                 <a:r>
-                  <a:rPr lang="tr-TR" sz="1000" dirty="0" smtClean="0">
+                  <a:rPr lang="tr-TR" sz="1000" dirty="0">
                     <a:solidFill>
                       <a:schemeClr val="tx1"/>
                     </a:solidFill>
                   </a:rPr>
                   <a:t>)</a:t>
                 </a:r>
-                <a:endParaRPr lang="tr-TR" sz="1000" dirty="0">
-                  <a:solidFill>
-                    <a:schemeClr val="tx1"/>
-                  </a:solidFill>
-                </a:endParaRPr>
               </a:p>
             </p:txBody>
           </p:sp>
@@ -13000,7 +13169,7 @@
           <a:p>
             <a:pPr algn="ctr"/>
             <a:r>
-              <a:rPr lang="tr-TR" sz="1500" b="0" cap="none" spc="0" dirty="0" smtClean="0">
+              <a:rPr lang="tr-TR" sz="1500" b="0" cap="none" spc="0" dirty="0">
                 <a:ln w="0"/>
                 <a:effectLst>
                   <a:outerShdw blurRad="38100" dist="25400" dir="5400000" algn="ctr" rotWithShape="0">
@@ -13016,7 +13185,7 @@
           <a:p>
             <a:pPr algn="ctr"/>
             <a:r>
-              <a:rPr lang="tr-TR" sz="1500" dirty="0" smtClean="0">
+              <a:rPr lang="tr-TR" sz="1500" dirty="0">
                 <a:ln w="0"/>
                 <a:effectLst>
                   <a:outerShdw blurRad="38100" dist="25400" dir="5400000" algn="ctr" rotWithShape="0">
@@ -14336,7 +14505,7 @@
           <a:p>
             <a:pPr algn="ctr"/>
             <a:r>
-              <a:rPr lang="tr-TR" sz="1500" b="0" cap="none" spc="0" dirty="0" smtClean="0">
+              <a:rPr lang="tr-TR" sz="1500" b="0" cap="none" spc="0" dirty="0">
                 <a:ln w="0"/>
                 <a:effectLst>
                   <a:outerShdw blurRad="38100" dist="25400" dir="5400000" algn="ctr" rotWithShape="0">
@@ -14352,7 +14521,7 @@
           <a:p>
             <a:pPr algn="ctr"/>
             <a:r>
-              <a:rPr lang="tr-TR" sz="1500" dirty="0" smtClean="0">
+              <a:rPr lang="tr-TR" sz="1500" dirty="0">
                 <a:ln w="0"/>
                 <a:effectLst>
                   <a:outerShdw blurRad="38100" dist="25400" dir="5400000" algn="ctr" rotWithShape="0">
@@ -14433,18 +14602,13 @@
           <a:p>
             <a:pPr algn="ctr"/>
             <a:r>
-              <a:rPr lang="tr-TR" sz="1200" dirty="0" smtClean="0">
+              <a:rPr lang="tr-TR" sz="1200" dirty="0">
                 <a:solidFill>
                   <a:schemeClr val="tx1"/>
                 </a:solidFill>
               </a:rPr>
               <a:t>Analyze_word</a:t>
             </a:r>
-            <a:endParaRPr lang="tr-TR" sz="1200" dirty="0">
-              <a:solidFill>
-                <a:schemeClr val="tx1"/>
-              </a:solidFill>
-            </a:endParaRPr>
           </a:p>
         </p:txBody>
       </p:sp>
@@ -14739,18 +14903,13 @@
           <a:p>
             <a:pPr algn="ctr"/>
             <a:r>
-              <a:rPr lang="tr-TR" sz="1200" dirty="0" smtClean="0">
+              <a:rPr lang="tr-TR" sz="1200" dirty="0">
                 <a:solidFill>
                   <a:schemeClr val="tx1"/>
                 </a:solidFill>
               </a:rPr>
               <a:t>Predictions</a:t>
             </a:r>
-            <a:endParaRPr lang="tr-TR" sz="1200" dirty="0">
-              <a:solidFill>
-                <a:schemeClr val="tx1"/>
-              </a:solidFill>
-            </a:endParaRPr>
           </a:p>
         </p:txBody>
       </p:sp>
@@ -14937,29 +15096,13 @@
           <a:lstStyle/>
           <a:p>
             <a:pPr algn="ctr"/>
-            <a:r>
-              <a:rPr lang="tr-TR" sz="1200" dirty="0" smtClean="0">
-                <a:solidFill>
-                  <a:schemeClr val="tx1"/>
-                </a:solidFill>
-              </a:rPr>
-              <a:t/>
-            </a:r>
             <a:br>
-              <a:rPr lang="tr-TR" sz="1200" dirty="0" smtClean="0">
+              <a:rPr lang="tr-TR" sz="1200" dirty="0">
                 <a:solidFill>
                   <a:schemeClr val="tx1"/>
                 </a:solidFill>
               </a:rPr>
             </a:br>
-            <a:r>
-              <a:rPr lang="tr-TR" sz="1200" dirty="0">
-                <a:solidFill>
-                  <a:schemeClr val="tx1"/>
-                </a:solidFill>
-              </a:rPr>
-              <a:t/>
-            </a:r>
             <a:br>
               <a:rPr lang="tr-TR" sz="1200" dirty="0">
                 <a:solidFill>
@@ -14968,7 +15111,7 @@
               </a:rPr>
             </a:br>
             <a:r>
-              <a:rPr lang="tr-TR" sz="1200" dirty="0" smtClean="0">
+              <a:rPr lang="tr-TR" sz="1200" dirty="0">
                 <a:solidFill>
                   <a:schemeClr val="tx1"/>
                 </a:solidFill>
@@ -15120,18 +15263,13 @@
           <a:p>
             <a:pPr algn="ctr"/>
             <a:r>
-              <a:rPr lang="tr-TR" dirty="0" smtClean="0">
+              <a:rPr lang="tr-TR" dirty="0">
                 <a:solidFill>
                   <a:schemeClr val="tx1"/>
                 </a:solidFill>
               </a:rPr>
               <a:t>Evaluations (accuracy, confusion etc.)</a:t>
             </a:r>
-            <a:endParaRPr lang="tr-TR" dirty="0">
-              <a:solidFill>
-                <a:schemeClr val="tx1"/>
-              </a:solidFill>
-            </a:endParaRPr>
           </a:p>
         </p:txBody>
       </p:sp>
@@ -15180,21 +15318,8 @@
                   <a:schemeClr val="tx1"/>
                 </a:solidFill>
               </a:rPr>
-              <a:t>y</a:t>
+              <a:t>y_test</a:t>
             </a:r>
-            <a:r>
-              <a:rPr lang="tr-TR" dirty="0" smtClean="0">
-                <a:solidFill>
-                  <a:schemeClr val="tx1"/>
-                </a:solidFill>
-              </a:rPr>
-              <a:t>_test</a:t>
-            </a:r>
-            <a:endParaRPr lang="tr-TR" dirty="0">
-              <a:solidFill>
-                <a:schemeClr val="tx1"/>
-              </a:solidFill>
-            </a:endParaRPr>
           </a:p>
         </p:txBody>
       </p:sp>
@@ -15251,7 +15376,7 @@
           <a:p>
             <a:fld id="{25C71469-DAC5-4BF4-AD64-79FF51AB478E}" type="datetime1">
               <a:rPr lang="en-US" smtClean="0"/>
-              <a:t>9/22/2021</a:t>
+              <a:t>11/13/21</a:t>
             </a:fld>
             <a:endParaRPr lang="tr-TR" dirty="0"/>
           </a:p>
@@ -15273,10 +15398,9 @@
           <a:lstStyle/>
           <a:p>
             <a:r>
-              <a:rPr lang="tr-TR" smtClean="0"/>
+              <a:rPr lang="tr-TR"/>
               <a:t>EMREHAN</a:t>
             </a:r>
-            <a:endParaRPr lang="tr-TR"/>
           </a:p>
         </p:txBody>
       </p:sp>
@@ -15464,6 +15588,42 @@
           </a:fontRef>
         </p:style>
       </p:cxnSp>
+      <p:pic>
+        <p:nvPicPr>
+          <p:cNvPr id="53" name="Picture 52" descr="Logo&#10;&#10;Description automatically generated">
+            <a:extLst>
+              <a:ext uri="{FF2B5EF4-FFF2-40B4-BE49-F238E27FC236}">
+                <a16:creationId xmlns:a16="http://schemas.microsoft.com/office/drawing/2014/main" id="{5EF74BEE-21F3-6D47-AEEB-8D9E140FE309}"/>
+              </a:ext>
+            </a:extLst>
+          </p:cNvPr>
+          <p:cNvPicPr>
+            <a:picLocks noChangeAspect="1"/>
+          </p:cNvPicPr>
+          <p:nvPr/>
+        </p:nvPicPr>
+        <p:blipFill>
+          <a:blip r:embed="rId14">
+            <a:extLst>
+              <a:ext uri="{28A0092B-C50C-407E-A947-70E740481C1C}">
+                <a14:useLocalDpi xmlns:a14="http://schemas.microsoft.com/office/drawing/2010/main" val="0"/>
+              </a:ext>
+            </a:extLst>
+          </a:blip>
+          <a:stretch>
+            <a:fillRect/>
+          </a:stretch>
+        </p:blipFill>
+        <p:spPr>
+          <a:xfrm>
+            <a:off x="10630232" y="6422102"/>
+            <a:ext cx="1507338" cy="381468"/>
+          </a:xfrm>
+          <a:prstGeom prst="rect">
+            <a:avLst/>
+          </a:prstGeom>
+        </p:spPr>
+      </p:pic>
     </p:spTree>
     <p:extLst>
       <p:ext uri="{BB962C8B-B14F-4D97-AF65-F5344CB8AC3E}">
@@ -15474,13 +15634,6 @@
   <p:clrMapOvr>
     <a:masterClrMapping/>
   </p:clrMapOvr>
-  <p:timing>
-    <p:tnLst>
-      <p:par>
-        <p:cTn id="1" dur="indefinite" restart="never" nodeType="tmRoot"/>
-      </p:par>
-    </p:tnLst>
-  </p:timing>
 </p:sld>
 </file>
 
@@ -15517,10 +15670,9 @@
           <a:lstStyle/>
           <a:p>
             <a:r>
-              <a:rPr lang="tr-TR" dirty="0" smtClean="0"/>
+              <a:rPr lang="tr-TR" dirty="0"/>
               <a:t>Model with hyperparameter</a:t>
             </a:r>
-            <a:endParaRPr lang="tr-TR" dirty="0"/>
           </a:p>
         </p:txBody>
       </p:sp>
@@ -15543,7 +15695,7 @@
               </a:bodyPr>
               <a:lstStyle/>
               <a:p>
-                <a:endParaRPr lang="tr-TR" i="1" dirty="0" smtClean="0">
+                <a:endParaRPr lang="tr-TR" i="1" dirty="0">
                   <a:latin typeface="Cambria Math" panose="02040503050406030204" pitchFamily="18" charset="0"/>
                 </a:endParaRPr>
               </a:p>
@@ -15553,7 +15705,7 @@
                 </a:endParaRPr>
               </a:p>
               <a:p>
-                <a:endParaRPr lang="tr-TR" i="1" dirty="0" smtClean="0">
+                <a:endParaRPr lang="tr-TR" i="1" dirty="0">
                   <a:latin typeface="Cambria Math" panose="02040503050406030204" pitchFamily="18" charset="0"/>
                 </a:endParaRPr>
               </a:p>
@@ -15961,7 +16113,7 @@
                     </m:r>
                   </m:oMath>
                 </a14:m>
-                <a:endParaRPr lang="tr-TR" sz="1500" dirty="0" smtClean="0"/>
+                <a:endParaRPr lang="tr-TR" sz="1500" dirty="0"/>
               </a:p>
               <a:p>
                 <a:endParaRPr lang="tr-TR" sz="1500" dirty="0"/>
@@ -16020,7 +16172,7 @@
           <a:p>
             <a:fld id="{2769AE9E-B3C6-4992-A27E-0634B161B270}" type="datetime1">
               <a:rPr lang="en-US" smtClean="0"/>
-              <a:t>9/22/2021</a:t>
+              <a:t>11/13/21</a:t>
             </a:fld>
             <a:endParaRPr lang="tr-TR"/>
           </a:p>
@@ -16042,10 +16194,9 @@
           <a:lstStyle/>
           <a:p>
             <a:r>
-              <a:rPr lang="tr-TR" smtClean="0"/>
+              <a:rPr lang="tr-TR"/>
               <a:t>EMREHAN</a:t>
             </a:r>
-            <a:endParaRPr lang="tr-TR"/>
           </a:p>
         </p:txBody>
       </p:sp>
@@ -16072,6 +16223,42 @@
           </a:p>
         </p:txBody>
       </p:sp>
+      <p:pic>
+        <p:nvPicPr>
+          <p:cNvPr id="7" name="Picture 6" descr="Logo&#10;&#10;Description automatically generated">
+            <a:extLst>
+              <a:ext uri="{FF2B5EF4-FFF2-40B4-BE49-F238E27FC236}">
+                <a16:creationId xmlns:a16="http://schemas.microsoft.com/office/drawing/2014/main" id="{A29A5010-36D8-7746-9494-C5D9D6237ADC}"/>
+              </a:ext>
+            </a:extLst>
+          </p:cNvPr>
+          <p:cNvPicPr>
+            <a:picLocks noChangeAspect="1"/>
+          </p:cNvPicPr>
+          <p:nvPr/>
+        </p:nvPicPr>
+        <p:blipFill>
+          <a:blip r:embed="rId3">
+            <a:extLst>
+              <a:ext uri="{28A0092B-C50C-407E-A947-70E740481C1C}">
+                <a14:useLocalDpi xmlns:a14="http://schemas.microsoft.com/office/drawing/2010/main" val="0"/>
+              </a:ext>
+            </a:extLst>
+          </a:blip>
+          <a:stretch>
+            <a:fillRect/>
+          </a:stretch>
+        </p:blipFill>
+        <p:spPr>
+          <a:xfrm>
+            <a:off x="10630232" y="6422102"/>
+            <a:ext cx="1507338" cy="381468"/>
+          </a:xfrm>
+          <a:prstGeom prst="rect">
+            <a:avLst/>
+          </a:prstGeom>
+        </p:spPr>
+      </p:pic>
     </p:spTree>
     <p:extLst>
       <p:ext uri="{BB962C8B-B14F-4D97-AF65-F5344CB8AC3E}">
@@ -16082,13 +16269,6 @@
   <p:clrMapOvr>
     <a:masterClrMapping/>
   </p:clrMapOvr>
-  <p:timing>
-    <p:tnLst>
-      <p:par>
-        <p:cTn id="1" dur="indefinite" restart="never" nodeType="tmRoot"/>
-      </p:par>
-    </p:tnLst>
-  </p:timing>
 </p:sld>
 </file>
 
@@ -16140,20 +16320,7 @@
                   </a:outerShdw>
                 </a:effectLst>
               </a:rPr>
-              <a:t>General </a:t>
-            </a:r>
-            <a:r>
-              <a:rPr lang="tr-TR" dirty="0" smtClean="0">
-                <a:ln w="0"/>
-                <a:effectLst>
-                  <a:outerShdw blurRad="38100" dist="19050" dir="2700000" algn="tl" rotWithShape="0">
-                    <a:schemeClr val="dk1">
-                      <a:alpha val="40000"/>
-                    </a:schemeClr>
-                  </a:outerShdw>
-                </a:effectLst>
-              </a:rPr>
-              <a:t>Scheme for Application of Prediction Models with hyperparameter </a:t>
+              <a:t>General Scheme for Application of Prediction Models with hyperparameter </a:t>
             </a:r>
             <a:endParaRPr lang="tr-TR" dirty="0"/>
           </a:p>
@@ -16199,10 +16366,9 @@
           <a:p>
             <a:pPr algn="ctr"/>
             <a:r>
-              <a:rPr lang="tr-TR" dirty="0" smtClean="0"/>
+              <a:rPr lang="tr-TR" dirty="0"/>
               <a:t>X_test</a:t>
             </a:r>
-            <a:endParaRPr lang="tr-TR" dirty="0"/>
           </a:p>
         </p:txBody>
       </p:sp>
@@ -16469,18 +16635,13 @@
                   </m:oMath>
                 </a14:m>
                 <a:r>
-                  <a:rPr lang="tr-TR" sz="1000" dirty="0" smtClean="0">
+                  <a:rPr lang="tr-TR" sz="1000" dirty="0">
                     <a:solidFill>
                       <a:schemeClr val="tx1"/>
                     </a:solidFill>
                   </a:rPr>
                   <a:t>)</a:t>
                 </a:r>
-                <a:endParaRPr lang="tr-TR" sz="1000" dirty="0">
-                  <a:solidFill>
-                    <a:schemeClr val="tx1"/>
-                  </a:solidFill>
-                </a:endParaRPr>
               </a:p>
             </p:txBody>
           </p:sp>
@@ -16969,18 +17130,13 @@
                   </m:oMath>
                 </a14:m>
                 <a:r>
-                  <a:rPr lang="tr-TR" sz="1000" dirty="0" smtClean="0">
+                  <a:rPr lang="tr-TR" sz="1000" dirty="0">
                     <a:solidFill>
                       <a:schemeClr val="tx1"/>
                     </a:solidFill>
                   </a:rPr>
                   <a:t>)</a:t>
                 </a:r>
-                <a:endParaRPr lang="tr-TR" sz="1000" dirty="0">
-                  <a:solidFill>
-                    <a:schemeClr val="tx1"/>
-                  </a:solidFill>
-                </a:endParaRPr>
               </a:p>
             </p:txBody>
           </p:sp>
@@ -17670,7 +17826,7 @@
           <a:p>
             <a:pPr algn="ctr"/>
             <a:r>
-              <a:rPr lang="tr-TR" sz="1500" b="0" cap="none" spc="0" dirty="0" smtClean="0">
+              <a:rPr lang="tr-TR" sz="1500" b="0" cap="none" spc="0" dirty="0">
                 <a:ln w="0"/>
                 <a:solidFill>
                   <a:schemeClr val="accent1"/>
@@ -17689,7 +17845,7 @@
           <a:p>
             <a:pPr algn="ctr"/>
             <a:r>
-              <a:rPr lang="tr-TR" sz="1500" dirty="0" smtClean="0">
+              <a:rPr lang="tr-TR" sz="1500" dirty="0">
                 <a:ln w="0"/>
                 <a:solidFill>
                   <a:schemeClr val="accent1"/>
@@ -18792,7 +18948,7 @@
           <a:p>
             <a:pPr algn="ctr"/>
             <a:r>
-              <a:rPr lang="tr-TR" sz="1500" b="0" cap="none" spc="0" dirty="0" smtClean="0">
+              <a:rPr lang="tr-TR" sz="1500" b="0" cap="none" spc="0" dirty="0">
                 <a:ln w="0"/>
                 <a:solidFill>
                   <a:schemeClr val="accent1"/>
@@ -18811,7 +18967,7 @@
           <a:p>
             <a:pPr algn="ctr"/>
             <a:r>
-              <a:rPr lang="tr-TR" sz="1500" dirty="0" smtClean="0">
+              <a:rPr lang="tr-TR" sz="1500" dirty="0">
                 <a:ln w="0"/>
                 <a:solidFill>
                   <a:schemeClr val="accent1"/>
@@ -18901,10 +19057,9 @@
           <a:p>
             <a:pPr algn="ctr"/>
             <a:r>
-              <a:rPr lang="tr-TR" sz="1200" dirty="0" smtClean="0"/>
+              <a:rPr lang="tr-TR" sz="1200" dirty="0"/>
               <a:t>Analyze_doc</a:t>
             </a:r>
-            <a:endParaRPr lang="tr-TR" sz="1200" dirty="0"/>
           </a:p>
         </p:txBody>
       </p:sp>
@@ -19201,10 +19356,9 @@
           <a:p>
             <a:pPr algn="ctr"/>
             <a:r>
-              <a:rPr lang="tr-TR" sz="1200" dirty="0" smtClean="0"/>
+              <a:rPr lang="tr-TR" sz="1200" dirty="0"/>
               <a:t>Predictions</a:t>
             </a:r>
-            <a:endParaRPr lang="tr-TR" sz="1200" dirty="0"/>
           </a:p>
         </p:txBody>
       </p:sp>
@@ -19395,35 +19549,12 @@
           <a:p>
             <a:pPr algn="ctr"/>
             <a:r>
-              <a:rPr lang="tr-TR" sz="1200" dirty="0" smtClean="0">
+              <a:rPr lang="tr-TR" sz="1200" dirty="0">
                 <a:solidFill>
                   <a:schemeClr val="tx1"/>
                 </a:solidFill>
               </a:rPr>
               <a:t>Turkish</a:t>
-            </a:r>
-            <a:br>
-              <a:rPr lang="tr-TR" sz="1200" dirty="0" smtClean="0">
-                <a:solidFill>
-                  <a:schemeClr val="tx1"/>
-                </a:solidFill>
-              </a:rPr>
-            </a:br>
-            <a:r>
-              <a:rPr lang="tr-TR" sz="1200" dirty="0" smtClean="0">
-                <a:solidFill>
-                  <a:schemeClr val="tx1"/>
-                </a:solidFill>
-              </a:rPr>
-              <a:t>Stem List</a:t>
-            </a:r>
-            <a:r>
-              <a:rPr lang="tr-TR" sz="1200" dirty="0">
-                <a:solidFill>
-                  <a:schemeClr val="tx1"/>
-                </a:solidFill>
-              </a:rPr>
-              <a:t/>
             </a:r>
             <a:br>
               <a:rPr lang="tr-TR" sz="1200" dirty="0">
@@ -19433,7 +19564,22 @@
               </a:rPr>
             </a:br>
             <a:r>
-              <a:rPr lang="tr-TR" sz="1200" dirty="0" smtClean="0">
+              <a:rPr lang="tr-TR" sz="1200" dirty="0">
+                <a:solidFill>
+                  <a:schemeClr val="tx1"/>
+                </a:solidFill>
+              </a:rPr>
+              <a:t>Stem List</a:t>
+            </a:r>
+            <a:br>
+              <a:rPr lang="tr-TR" sz="1200" dirty="0">
+                <a:solidFill>
+                  <a:schemeClr val="tx1"/>
+                </a:solidFill>
+              </a:rPr>
+            </a:br>
+            <a:r>
+              <a:rPr lang="tr-TR" sz="1200" dirty="0">
                 <a:solidFill>
                   <a:schemeClr val="tx1"/>
                 </a:solidFill>
@@ -19444,18 +19590,13 @@
           <a:p>
             <a:pPr algn="ctr"/>
             <a:r>
-              <a:rPr lang="tr-TR" sz="1200" dirty="0" smtClean="0">
+              <a:rPr lang="tr-TR" sz="1200" dirty="0">
                 <a:solidFill>
                   <a:schemeClr val="tx1"/>
                 </a:solidFill>
               </a:rPr>
               <a:t>(for application)</a:t>
             </a:r>
-            <a:endParaRPr lang="tr-TR" sz="1200" dirty="0">
-              <a:solidFill>
-                <a:schemeClr val="tx1"/>
-              </a:solidFill>
-            </a:endParaRPr>
           </a:p>
         </p:txBody>
       </p:sp>
@@ -19598,22 +19739,14 @@
           <a:lstStyle/>
           <a:p>
             <a:pPr algn="ctr"/>
-            <a:r>
-              <a:rPr lang="tr-TR" sz="1200" dirty="0" smtClean="0"/>
-              <a:t/>
-            </a:r>
             <a:br>
-              <a:rPr lang="tr-TR" sz="1200" dirty="0" smtClean="0"/>
+              <a:rPr lang="tr-TR" sz="1200" dirty="0"/>
             </a:br>
-            <a:r>
-              <a:rPr lang="tr-TR" sz="1200" dirty="0"/>
-              <a:t/>
-            </a:r>
             <a:br>
               <a:rPr lang="tr-TR" sz="1200" dirty="0"/>
             </a:br>
             <a:r>
-              <a:rPr lang="tr-TR" sz="1200" dirty="0" smtClean="0"/>
+              <a:rPr lang="tr-TR" sz="1200" dirty="0"/>
               <a:t>X_train, y_train</a:t>
             </a:r>
           </a:p>
@@ -19751,10 +19884,9 @@
           <a:p>
             <a:pPr algn="ctr"/>
             <a:r>
-              <a:rPr lang="tr-TR" dirty="0" smtClean="0"/>
+              <a:rPr lang="tr-TR" dirty="0"/>
               <a:t>Evaluations (accuracy, confusion etc.)</a:t>
             </a:r>
-            <a:endParaRPr lang="tr-TR" dirty="0"/>
           </a:p>
         </p:txBody>
       </p:sp>
@@ -19799,13 +19931,8 @@
             <a:pPr algn="ctr"/>
             <a:r>
               <a:rPr lang="tr-TR" dirty="0"/>
-              <a:t>y</a:t>
+              <a:t>y_test</a:t>
             </a:r>
-            <a:r>
-              <a:rPr lang="tr-TR" dirty="0" smtClean="0"/>
-              <a:t>_test</a:t>
-            </a:r>
-            <a:endParaRPr lang="tr-TR" dirty="0"/>
           </a:p>
         </p:txBody>
       </p:sp>
@@ -19919,7 +20046,7 @@
           <a:p>
             <a:pPr algn="ctr"/>
             <a:r>
-              <a:rPr lang="tr-TR" sz="1000" dirty="0" smtClean="0">
+              <a:rPr lang="tr-TR" sz="1000" dirty="0">
                 <a:ln w="0"/>
                 <a:effectLst>
                   <a:outerShdw blurRad="38100" dist="19050" dir="2700000" algn="tl" rotWithShape="0">
@@ -20111,7 +20238,7 @@
           <a:p>
             <a:pPr algn="ctr"/>
             <a:r>
-              <a:rPr lang="tr-TR" sz="1000" dirty="0" smtClean="0">
+              <a:rPr lang="tr-TR" sz="1000" dirty="0">
                 <a:ln w="0"/>
                 <a:effectLst>
                   <a:outerShdw blurRad="38100" dist="19050" dir="2700000" algn="tl" rotWithShape="0">
@@ -20253,7 +20380,7 @@
           <a:p>
             <a:fld id="{A0355CC0-2413-4ECB-8756-8763D22FD25B}" type="datetime1">
               <a:rPr lang="en-US" smtClean="0"/>
-              <a:t>9/22/2021</a:t>
+              <a:t>11/13/21</a:t>
             </a:fld>
             <a:endParaRPr lang="tr-TR"/>
           </a:p>
@@ -20275,10 +20402,9 @@
           <a:lstStyle/>
           <a:p>
             <a:r>
-              <a:rPr lang="tr-TR" smtClean="0"/>
+              <a:rPr lang="tr-TR"/>
               <a:t>EMREHAN</a:t>
             </a:r>
-            <a:endParaRPr lang="tr-TR"/>
           </a:p>
         </p:txBody>
       </p:sp>
@@ -20457,6 +20583,42 @@
           </a:fontRef>
         </p:style>
       </p:cxnSp>
+      <p:pic>
+        <p:nvPicPr>
+          <p:cNvPr id="61" name="Picture 60" descr="Logo&#10;&#10;Description automatically generated">
+            <a:extLst>
+              <a:ext uri="{FF2B5EF4-FFF2-40B4-BE49-F238E27FC236}">
+                <a16:creationId xmlns:a16="http://schemas.microsoft.com/office/drawing/2014/main" id="{AA81172F-8561-D94F-99E2-EC51E833F47D}"/>
+              </a:ext>
+            </a:extLst>
+          </p:cNvPr>
+          <p:cNvPicPr>
+            <a:picLocks noChangeAspect="1"/>
+          </p:cNvPicPr>
+          <p:nvPr/>
+        </p:nvPicPr>
+        <p:blipFill>
+          <a:blip r:embed="rId14">
+            <a:extLst>
+              <a:ext uri="{28A0092B-C50C-407E-A947-70E740481C1C}">
+                <a14:useLocalDpi xmlns:a14="http://schemas.microsoft.com/office/drawing/2010/main" val="0"/>
+              </a:ext>
+            </a:extLst>
+          </a:blip>
+          <a:stretch>
+            <a:fillRect/>
+          </a:stretch>
+        </p:blipFill>
+        <p:spPr>
+          <a:xfrm>
+            <a:off x="10940142" y="6500532"/>
+            <a:ext cx="1197427" cy="303038"/>
+          </a:xfrm>
+          <a:prstGeom prst="rect">
+            <a:avLst/>
+          </a:prstGeom>
+        </p:spPr>
+      </p:pic>
     </p:spTree>
     <p:extLst>
       <p:ext uri="{BB962C8B-B14F-4D97-AF65-F5344CB8AC3E}">
@@ -20467,13 +20629,6 @@
   <p:clrMapOvr>
     <a:masterClrMapping/>
   </p:clrMapOvr>
-  <p:timing>
-    <p:tnLst>
-      <p:par>
-        <p:cTn id="1" dur="indefinite" restart="never" nodeType="tmRoot"/>
-      </p:par>
-    </p:tnLst>
-  </p:timing>
 </p:sld>
 </file>
 
